--- a/ppt/GameObject.pptx
+++ b/ppt/GameObject.pptx
@@ -439,7 +439,7 @@
           <a:p>
             <a:fld id="{D066D795-C01F-44D1-9CCD-9B77C4474E7E}" type="datetimeFigureOut">
               <a:rPr lang="ko-KR" altLang="en-US" smtClean="0"/>
-              <a:t>2025-06-15</a:t>
+              <a:t>2025-06-16</a:t>
             </a:fld>
             <a:endParaRPr lang="ko-KR" altLang="en-US"/>
           </a:p>
@@ -637,7 +637,7 @@
           <a:p>
             <a:fld id="{D066D795-C01F-44D1-9CCD-9B77C4474E7E}" type="datetimeFigureOut">
               <a:rPr lang="ko-KR" altLang="en-US" smtClean="0"/>
-              <a:t>2025-06-15</a:t>
+              <a:t>2025-06-16</a:t>
             </a:fld>
             <a:endParaRPr lang="ko-KR" altLang="en-US"/>
           </a:p>
@@ -845,7 +845,7 @@
           <a:p>
             <a:fld id="{D066D795-C01F-44D1-9CCD-9B77C4474E7E}" type="datetimeFigureOut">
               <a:rPr lang="ko-KR" altLang="en-US" smtClean="0"/>
-              <a:t>2025-06-15</a:t>
+              <a:t>2025-06-16</a:t>
             </a:fld>
             <a:endParaRPr lang="ko-KR" altLang="en-US"/>
           </a:p>
@@ -1043,7 +1043,7 @@
           <a:p>
             <a:fld id="{D066D795-C01F-44D1-9CCD-9B77C4474E7E}" type="datetimeFigureOut">
               <a:rPr lang="ko-KR" altLang="en-US" smtClean="0"/>
-              <a:t>2025-06-15</a:t>
+              <a:t>2025-06-16</a:t>
             </a:fld>
             <a:endParaRPr lang="ko-KR" altLang="en-US"/>
           </a:p>
@@ -1318,7 +1318,7 @@
           <a:p>
             <a:fld id="{D066D795-C01F-44D1-9CCD-9B77C4474E7E}" type="datetimeFigureOut">
               <a:rPr lang="ko-KR" altLang="en-US" smtClean="0"/>
-              <a:t>2025-06-15</a:t>
+              <a:t>2025-06-16</a:t>
             </a:fld>
             <a:endParaRPr lang="ko-KR" altLang="en-US"/>
           </a:p>
@@ -1583,7 +1583,7 @@
           <a:p>
             <a:fld id="{D066D795-C01F-44D1-9CCD-9B77C4474E7E}" type="datetimeFigureOut">
               <a:rPr lang="ko-KR" altLang="en-US" smtClean="0"/>
-              <a:t>2025-06-15</a:t>
+              <a:t>2025-06-16</a:t>
             </a:fld>
             <a:endParaRPr lang="ko-KR" altLang="en-US"/>
           </a:p>
@@ -1995,7 +1995,7 @@
           <a:p>
             <a:fld id="{D066D795-C01F-44D1-9CCD-9B77C4474E7E}" type="datetimeFigureOut">
               <a:rPr lang="ko-KR" altLang="en-US" smtClean="0"/>
-              <a:t>2025-06-15</a:t>
+              <a:t>2025-06-16</a:t>
             </a:fld>
             <a:endParaRPr lang="ko-KR" altLang="en-US"/>
           </a:p>
@@ -2136,7 +2136,7 @@
           <a:p>
             <a:fld id="{D066D795-C01F-44D1-9CCD-9B77C4474E7E}" type="datetimeFigureOut">
               <a:rPr lang="ko-KR" altLang="en-US" smtClean="0"/>
-              <a:t>2025-06-15</a:t>
+              <a:t>2025-06-16</a:t>
             </a:fld>
             <a:endParaRPr lang="ko-KR" altLang="en-US"/>
           </a:p>
@@ -2249,7 +2249,7 @@
           <a:p>
             <a:fld id="{D066D795-C01F-44D1-9CCD-9B77C4474E7E}" type="datetimeFigureOut">
               <a:rPr lang="ko-KR" altLang="en-US" smtClean="0"/>
-              <a:t>2025-06-15</a:t>
+              <a:t>2025-06-16</a:t>
             </a:fld>
             <a:endParaRPr lang="ko-KR" altLang="en-US"/>
           </a:p>
@@ -2560,7 +2560,7 @@
           <a:p>
             <a:fld id="{D066D795-C01F-44D1-9CCD-9B77C4474E7E}" type="datetimeFigureOut">
               <a:rPr lang="ko-KR" altLang="en-US" smtClean="0"/>
-              <a:t>2025-06-15</a:t>
+              <a:t>2025-06-16</a:t>
             </a:fld>
             <a:endParaRPr lang="ko-KR" altLang="en-US"/>
           </a:p>
@@ -2848,7 +2848,7 @@
           <a:p>
             <a:fld id="{D066D795-C01F-44D1-9CCD-9B77C4474E7E}" type="datetimeFigureOut">
               <a:rPr lang="ko-KR" altLang="en-US" smtClean="0"/>
-              <a:t>2025-06-15</a:t>
+              <a:t>2025-06-16</a:t>
             </a:fld>
             <a:endParaRPr lang="ko-KR" altLang="en-US"/>
           </a:p>
@@ -3089,7 +3089,7 @@
           <a:p>
             <a:fld id="{D066D795-C01F-44D1-9CCD-9B77C4474E7E}" type="datetimeFigureOut">
               <a:rPr lang="ko-KR" altLang="en-US" smtClean="0"/>
-              <a:t>2025-06-15</a:t>
+              <a:t>2025-06-16</a:t>
             </a:fld>
             <a:endParaRPr lang="ko-KR" altLang="en-US"/>
           </a:p>
@@ -5256,7 +5256,7 @@
         <p:spPr>
           <a:xfrm>
             <a:off x="357460" y="1690688"/>
-            <a:ext cx="11162671" cy="2308324"/>
+            <a:ext cx="9295814" cy="3693319"/>
           </a:xfrm>
           <a:prstGeom prst="rect">
             <a:avLst/>
@@ -5281,6 +5281,12 @@
               <a:rPr lang="ko-KR" altLang="en-US" dirty="0"/>
               <a:t>변환정보 다룬다</a:t>
             </a:r>
+            <a:r>
+              <a:rPr lang="en-US" altLang="ko-KR" dirty="0"/>
+              <a:t>. </a:t>
+            </a:r>
+          </a:p>
+          <a:p>
             <a:endParaRPr lang="en-US" altLang="ko-KR" dirty="0"/>
           </a:p>
           <a:p>
@@ -5302,8 +5308,19 @@
             </a:r>
             <a:r>
               <a:rPr lang="ko-KR" altLang="en-US" dirty="0"/>
-              <a:t> 출력</a:t>
-            </a:r>
+              <a:t> 출력  </a:t>
+            </a:r>
+            <a:r>
+              <a:rPr lang="en-US" altLang="ko-KR" dirty="0" err="1"/>
+              <a:t>RenderSystem</a:t>
+            </a:r>
+            <a:r>
+              <a:rPr lang="ko-KR" altLang="en-US" dirty="0"/>
+              <a:t>이 처리</a:t>
+            </a:r>
+            <a:endParaRPr lang="en-US" altLang="ko-KR" dirty="0"/>
+          </a:p>
+          <a:p>
             <a:endParaRPr lang="en-US" altLang="ko-KR" dirty="0"/>
           </a:p>
           <a:p>
@@ -5317,60 +5334,28 @@
             </a:r>
             <a:r>
               <a:rPr lang="ko-KR" altLang="en-US" dirty="0"/>
-              <a:t>애니메이션 출력  </a:t>
-            </a:r>
-            <a:r>
-              <a:rPr lang="en-US" altLang="ko-KR" dirty="0"/>
-              <a:t>    </a:t>
-            </a:r>
-            <a:r>
-              <a:rPr lang="ko-KR" altLang="en-US" dirty="0"/>
-              <a:t>상속</a:t>
-            </a:r>
-            <a:r>
-              <a:rPr lang="en-US" altLang="ko-KR" dirty="0"/>
-              <a:t>(</a:t>
-            </a:r>
-            <a:r>
-              <a:rPr lang="ko-KR" altLang="en-US" dirty="0" err="1"/>
-              <a:t>언리얼</a:t>
-            </a:r>
-            <a:r>
-              <a:rPr lang="en-US" altLang="ko-KR" dirty="0"/>
-              <a:t>)</a:t>
-            </a:r>
-            <a:r>
-              <a:rPr lang="ko-KR" altLang="en-US" dirty="0"/>
-              <a:t>하거나 </a:t>
+              <a:t>애니메이션 출력 </a:t>
             </a:r>
             <a:r>
               <a:rPr lang="en-US" altLang="ko-KR" dirty="0" err="1"/>
-              <a:t>SpriteRender</a:t>
-            </a:r>
-            <a:r>
-              <a:rPr lang="ko-KR" altLang="en-US" dirty="0"/>
-              <a:t>설정</a:t>
-            </a:r>
-            <a:r>
-              <a:rPr lang="en-US" altLang="ko-KR" dirty="0"/>
-              <a:t>(</a:t>
-            </a:r>
-            <a:r>
-              <a:rPr lang="ko-KR" altLang="en-US" dirty="0"/>
-              <a:t>유니티</a:t>
-            </a:r>
-            <a:r>
-              <a:rPr lang="en-US" altLang="ko-KR" dirty="0"/>
-              <a:t>)</a:t>
-            </a:r>
-            <a:r>
-              <a:rPr lang="ko-KR" altLang="en-US" dirty="0"/>
-              <a:t>방식</a:t>
-            </a:r>
-            <a:r>
-              <a:rPr lang="en-US" altLang="ko-KR" dirty="0"/>
-              <a:t>)</a:t>
-            </a:r>
+              <a:t>RenderSystem</a:t>
+            </a:r>
+            <a:r>
+              <a:rPr lang="ko-KR" altLang="en-US" dirty="0"/>
+              <a:t>또는 </a:t>
+            </a:r>
+            <a:r>
+              <a:rPr lang="en-US" altLang="ko-KR" dirty="0" err="1"/>
+              <a:t>AnimationSystem</a:t>
+            </a:r>
+            <a:r>
+              <a:rPr lang="ko-KR" altLang="en-US" dirty="0"/>
+              <a:t>처리  </a:t>
+            </a:r>
+            <a:endParaRPr lang="en-US" altLang="ko-KR" dirty="0"/>
+          </a:p>
+          <a:p>
+            <a:endParaRPr lang="en-US" altLang="ko-KR" dirty="0"/>
           </a:p>
           <a:p>
             <a:r>
@@ -5393,12 +5378,23 @@
               <a:rPr lang="ko-KR" altLang="en-US" dirty="0"/>
               <a:t> 그리기 </a:t>
             </a:r>
+            <a:r>
+              <a:rPr lang="en-US" altLang="ko-KR" dirty="0" err="1"/>
+              <a:t>RenderSystem</a:t>
+            </a:r>
+            <a:r>
+              <a:rPr lang="ko-KR" altLang="en-US" dirty="0"/>
+              <a:t>이 처리</a:t>
+            </a:r>
             <a:endParaRPr lang="en-US" altLang="ko-KR" dirty="0"/>
           </a:p>
           <a:p>
+            <a:endParaRPr lang="en-US" altLang="ko-KR" dirty="0"/>
+          </a:p>
+          <a:p>
             <a:r>
               <a:rPr lang="en-US" altLang="ko-KR" dirty="0" err="1"/>
-              <a:t>TextRender</a:t>
+              <a:t>TextRenderComponent</a:t>
             </a:r>
             <a:r>
               <a:rPr lang="en-US" altLang="ko-KR" dirty="0"/>
@@ -5406,7 +5402,15 @@
             </a:r>
             <a:r>
               <a:rPr lang="ko-KR" altLang="en-US" dirty="0"/>
-              <a:t>텍스트 출력</a:t>
+              <a:t>텍스트 출력 </a:t>
+            </a:r>
+            <a:r>
+              <a:rPr lang="en-US" altLang="ko-KR" dirty="0" err="1"/>
+              <a:t>RenderSystem</a:t>
+            </a:r>
+            <a:r>
+              <a:rPr lang="ko-KR" altLang="en-US" dirty="0"/>
+              <a:t>이 처리</a:t>
             </a:r>
             <a:endParaRPr lang="en-US" altLang="ko-KR" dirty="0"/>
           </a:p>
@@ -5416,7 +5420,7 @@
           <a:p>
             <a:r>
               <a:rPr lang="en-US" altLang="ko-KR" dirty="0" err="1"/>
-              <a:t>ScrollingBiitmap</a:t>
+              <a:t>ScrollingBiitmapComponent</a:t>
             </a:r>
             <a:r>
               <a:rPr lang="en-US" altLang="ko-KR" dirty="0"/>
@@ -5436,58 +5440,46 @@
             </a:r>
             <a:r>
               <a:rPr lang="en-US" altLang="ko-KR" dirty="0"/>
-              <a:t>.</a:t>
-            </a:r>
-            <a:r>
-              <a:rPr lang="ko-KR" altLang="en-US" dirty="0"/>
-              <a:t>  상속</a:t>
+              <a:t>. </a:t>
+            </a:r>
+            <a:r>
+              <a:rPr lang="en-US" altLang="ko-KR" dirty="0" err="1"/>
+              <a:t>RenderSystem</a:t>
+            </a:r>
+            <a:r>
+              <a:rPr lang="ko-KR" altLang="en-US" dirty="0"/>
+              <a:t>이 처리</a:t>
+            </a:r>
+            <a:endParaRPr lang="en-US" altLang="ko-KR" dirty="0"/>
+          </a:p>
+          <a:p>
+            <a:endParaRPr lang="en-US" altLang="ko-KR" dirty="0"/>
+          </a:p>
+          <a:p>
+            <a:r>
+              <a:rPr lang="en-US" altLang="ko-KR" dirty="0" err="1"/>
+              <a:t>InputComponent</a:t>
             </a:r>
             <a:r>
               <a:rPr lang="en-US" altLang="ko-KR" dirty="0"/>
-              <a:t>(</a:t>
-            </a:r>
-            <a:r>
-              <a:rPr lang="ko-KR" altLang="en-US" dirty="0" err="1"/>
-              <a:t>언리얼</a:t>
+              <a:t>:  </a:t>
+            </a:r>
+            <a:r>
+              <a:rPr lang="ko-KR" altLang="en-US" dirty="0"/>
+              <a:t>입력에 따른 상태변경</a:t>
             </a:r>
             <a:r>
               <a:rPr lang="en-US" altLang="ko-KR" dirty="0"/>
-              <a:t>)</a:t>
-            </a:r>
-            <a:r>
-              <a:rPr lang="ko-KR" altLang="en-US" dirty="0"/>
-              <a:t>하거나 </a:t>
+              <a:t>.  </a:t>
             </a:r>
             <a:r>
               <a:rPr lang="en-US" altLang="ko-KR" dirty="0" err="1"/>
-              <a:t>SpriteRender</a:t>
-            </a:r>
-            <a:r>
-              <a:rPr lang="ko-KR" altLang="en-US" dirty="0"/>
-              <a:t>설정</a:t>
-            </a:r>
-            <a:r>
-              <a:rPr lang="en-US" altLang="ko-KR" dirty="0"/>
-              <a:t>(</a:t>
-            </a:r>
-            <a:r>
-              <a:rPr lang="ko-KR" altLang="en-US" dirty="0"/>
-              <a:t>유니티</a:t>
-            </a:r>
-            <a:r>
-              <a:rPr lang="en-US" altLang="ko-KR" dirty="0"/>
-              <a:t>)</a:t>
-            </a:r>
-            <a:r>
-              <a:rPr lang="ko-KR" altLang="en-US" dirty="0"/>
-              <a:t>방식</a:t>
-            </a:r>
-            <a:r>
-              <a:rPr lang="en-US" altLang="ko-KR" dirty="0"/>
-              <a:t>)</a:t>
-            </a:r>
-          </a:p>
-          <a:p>
+              <a:t>InputSystem</a:t>
+            </a:r>
+            <a:r>
+              <a:rPr lang="ko-KR" altLang="en-US" dirty="0"/>
+              <a:t>  이 처리</a:t>
+            </a:r>
             <a:endParaRPr lang="en-US" altLang="ko-KR" dirty="0"/>
           </a:p>
         </p:txBody>

--- a/ppt/GameObject.pptx
+++ b/ppt/GameObject.pptx
@@ -13,11 +13,12 @@
     <p:sldId id="265" r:id="rId7"/>
     <p:sldId id="266" r:id="rId8"/>
     <p:sldId id="267" r:id="rId9"/>
-    <p:sldId id="268" r:id="rId10"/>
-    <p:sldId id="269" r:id="rId11"/>
-    <p:sldId id="270" r:id="rId12"/>
-    <p:sldId id="262" r:id="rId13"/>
-    <p:sldId id="271" r:id="rId14"/>
+    <p:sldId id="272" r:id="rId10"/>
+    <p:sldId id="268" r:id="rId11"/>
+    <p:sldId id="269" r:id="rId12"/>
+    <p:sldId id="270" r:id="rId13"/>
+    <p:sldId id="262" r:id="rId14"/>
+    <p:sldId id="271" r:id="rId15"/>
   </p:sldIdLst>
   <p:sldSz cx="12192000" cy="6858000"/>
   <p:notesSz cx="6858000" cy="9144000"/>
@@ -3605,6 +3606,453 @@
           <p:cNvPr id="2" name="제목 1">
             <a:extLst>
               <a:ext uri="{FF2B5EF4-FFF2-40B4-BE49-F238E27FC236}">
+                <a16:creationId xmlns:a16="http://schemas.microsoft.com/office/drawing/2014/main" id="{8B40CFF8-2F89-2DBB-A845-8E787D54F70A}"/>
+              </a:ext>
+            </a:extLst>
+          </p:cNvPr>
+          <p:cNvSpPr>
+            <a:spLocks noGrp="1"/>
+          </p:cNvSpPr>
+          <p:nvPr>
+            <p:ph type="title"/>
+          </p:nvPr>
+        </p:nvSpPr>
+        <p:spPr/>
+        <p:txBody>
+          <a:bodyPr/>
+          <a:lstStyle/>
+          <a:p>
+            <a:r>
+              <a:rPr lang="en-US" altLang="ko-KR" dirty="0" err="1"/>
+              <a:t>TransformComponent</a:t>
+            </a:r>
+            <a:endParaRPr lang="ko-KR" altLang="en-US" dirty="0"/>
+          </a:p>
+        </p:txBody>
+      </p:sp>
+      <p:pic>
+        <p:nvPicPr>
+          <p:cNvPr id="3" name="Picture 2" descr="image alt text">
+            <a:extLst>
+              <a:ext uri="{FF2B5EF4-FFF2-40B4-BE49-F238E27FC236}">
+                <a16:creationId xmlns:a16="http://schemas.microsoft.com/office/drawing/2014/main" id="{31771ECD-D28A-EE83-BED5-94F86CF41F5A}"/>
+              </a:ext>
+            </a:extLst>
+          </p:cNvPr>
+          <p:cNvPicPr>
+            <a:picLocks noChangeAspect="1" noChangeArrowheads="1"/>
+          </p:cNvPicPr>
+          <p:nvPr/>
+        </p:nvPicPr>
+        <p:blipFill>
+          <a:blip r:embed="rId2">
+            <a:extLst>
+              <a:ext uri="{28A0092B-C50C-407E-A947-70E740481C1C}">
+                <a14:useLocalDpi xmlns:a14="http://schemas.microsoft.com/office/drawing/2010/main" val="0"/>
+              </a:ext>
+            </a:extLst>
+          </a:blip>
+          <a:srcRect/>
+          <a:stretch>
+            <a:fillRect/>
+          </a:stretch>
+        </p:blipFill>
+        <p:spPr bwMode="auto">
+          <a:xfrm>
+            <a:off x="997820" y="2974206"/>
+            <a:ext cx="3896697" cy="3883794"/>
+          </a:xfrm>
+          <a:prstGeom prst="rect">
+            <a:avLst/>
+          </a:prstGeom>
+          <a:noFill/>
+          <a:extLst>
+            <a:ext uri="{909E8E84-426E-40DD-AFC4-6F175D3DCCD1}">
+              <a14:hiddenFill xmlns:a14="http://schemas.microsoft.com/office/drawing/2010/main">
+                <a:solidFill>
+                  <a:srgbClr val="FFFFFF"/>
+                </a:solidFill>
+              </a14:hiddenFill>
+            </a:ext>
+          </a:extLst>
+        </p:spPr>
+      </p:pic>
+      <p:pic>
+        <p:nvPicPr>
+          <p:cNvPr id="4" name="Picture 4" descr="image alt text">
+            <a:extLst>
+              <a:ext uri="{FF2B5EF4-FFF2-40B4-BE49-F238E27FC236}">
+                <a16:creationId xmlns:a16="http://schemas.microsoft.com/office/drawing/2014/main" id="{1555DDBC-DDDE-0E30-D7A5-0F8B1F361B8D}"/>
+              </a:ext>
+            </a:extLst>
+          </p:cNvPr>
+          <p:cNvPicPr>
+            <a:picLocks noChangeAspect="1" noChangeArrowheads="1"/>
+          </p:cNvPicPr>
+          <p:nvPr/>
+        </p:nvPicPr>
+        <p:blipFill>
+          <a:blip r:embed="rId3">
+            <a:extLst>
+              <a:ext uri="{28A0092B-C50C-407E-A947-70E740481C1C}">
+                <a14:useLocalDpi xmlns:a14="http://schemas.microsoft.com/office/drawing/2010/main" val="0"/>
+              </a:ext>
+            </a:extLst>
+          </a:blip>
+          <a:srcRect/>
+          <a:stretch>
+            <a:fillRect/>
+          </a:stretch>
+        </p:blipFill>
+        <p:spPr bwMode="auto">
+          <a:xfrm>
+            <a:off x="6327341" y="3063024"/>
+            <a:ext cx="4866839" cy="3794976"/>
+          </a:xfrm>
+          <a:prstGeom prst="rect">
+            <a:avLst/>
+          </a:prstGeom>
+          <a:noFill/>
+          <a:extLst>
+            <a:ext uri="{909E8E84-426E-40DD-AFC4-6F175D3DCCD1}">
+              <a14:hiddenFill xmlns:a14="http://schemas.microsoft.com/office/drawing/2010/main">
+                <a:solidFill>
+                  <a:srgbClr val="FFFFFF"/>
+                </a:solidFill>
+              </a14:hiddenFill>
+            </a:ext>
+          </a:extLst>
+        </p:spPr>
+      </p:pic>
+      <p:sp>
+        <p:nvSpPr>
+          <p:cNvPr id="5" name="TextBox 4">
+            <a:extLst>
+              <a:ext uri="{FF2B5EF4-FFF2-40B4-BE49-F238E27FC236}">
+                <a16:creationId xmlns:a16="http://schemas.microsoft.com/office/drawing/2014/main" id="{FB49265D-D73B-3E31-6CFA-557A2C3738D9}"/>
+              </a:ext>
+            </a:extLst>
+          </p:cNvPr>
+          <p:cNvSpPr txBox="1"/>
+          <p:nvPr/>
+        </p:nvSpPr>
+        <p:spPr>
+          <a:xfrm>
+            <a:off x="256226" y="1513477"/>
+            <a:ext cx="6423706" cy="1200329"/>
+          </a:xfrm>
+          <a:prstGeom prst="rect">
+            <a:avLst/>
+          </a:prstGeom>
+          <a:noFill/>
+        </p:spPr>
+        <p:txBody>
+          <a:bodyPr wrap="square">
+            <a:spAutoFit/>
+          </a:bodyPr>
+          <a:lstStyle/>
+          <a:p>
+            <a:r>
+              <a:rPr lang="ko-KR" altLang="en-US" dirty="0"/>
+              <a:t>유니티는 </a:t>
+            </a:r>
+            <a:r>
+              <a:rPr lang="en-US" altLang="ko-KR" dirty="0" err="1"/>
+              <a:t>GameObject</a:t>
+            </a:r>
+            <a:r>
+              <a:rPr lang="en-US" altLang="ko-KR" dirty="0"/>
+              <a:t> –</a:t>
+            </a:r>
+            <a:r>
+              <a:rPr lang="en-US" altLang="ko-KR" dirty="0" err="1"/>
+              <a:t>TransformComponent</a:t>
+            </a:r>
+            <a:r>
+              <a:rPr lang="en-US" altLang="ko-KR" dirty="0"/>
+              <a:t> 1:1</a:t>
+            </a:r>
+            <a:r>
+              <a:rPr lang="ko-KR" altLang="en-US" dirty="0"/>
+              <a:t>생성  </a:t>
+            </a:r>
+            <a:endParaRPr lang="en-US" altLang="ko-KR" dirty="0"/>
+          </a:p>
+          <a:p>
+            <a:r>
+              <a:rPr lang="en-US" altLang="ko-KR" dirty="0" err="1"/>
+              <a:t>GameObject</a:t>
+            </a:r>
+            <a:r>
+              <a:rPr lang="en-US" altLang="ko-KR" dirty="0"/>
+              <a:t>::transform</a:t>
+            </a:r>
+            <a:r>
+              <a:rPr lang="ko-KR" altLang="en-US" dirty="0"/>
+              <a:t>가 생성한 컴포넌트 참조 </a:t>
+            </a:r>
+            <a:endParaRPr lang="en-US" altLang="ko-KR" dirty="0"/>
+          </a:p>
+          <a:p>
+            <a:r>
+              <a:rPr lang="ko-KR" altLang="en-US" dirty="0"/>
+              <a:t>나머지 컴포넌트는 </a:t>
+            </a:r>
+            <a:r>
+              <a:rPr lang="en-US" altLang="ko-KR" dirty="0" err="1"/>
+              <a:t>Gamobject</a:t>
+            </a:r>
+            <a:r>
+              <a:rPr lang="en-US" altLang="ko-KR" dirty="0"/>
+              <a:t>::transform </a:t>
+            </a:r>
+            <a:r>
+              <a:rPr lang="ko-KR" altLang="en-US" dirty="0"/>
+              <a:t>만 접근</a:t>
+            </a:r>
+            <a:endParaRPr lang="en-US" altLang="ko-KR" dirty="0"/>
+          </a:p>
+          <a:p>
+            <a:r>
+              <a:rPr lang="en-US" altLang="ko-KR" dirty="0" err="1"/>
+              <a:t>TransformSystem</a:t>
+            </a:r>
+            <a:r>
+              <a:rPr lang="ko-KR" altLang="en-US" dirty="0"/>
+              <a:t>이 아직 </a:t>
+            </a:r>
+            <a:r>
+              <a:rPr lang="ko-KR" altLang="en-US" dirty="0" err="1"/>
+              <a:t>계산되지않은</a:t>
+            </a:r>
+            <a:r>
+              <a:rPr lang="ko-KR" altLang="en-US" dirty="0"/>
+              <a:t> </a:t>
+            </a:r>
+            <a:r>
+              <a:rPr lang="en-US" altLang="ko-KR" dirty="0"/>
+              <a:t>World</a:t>
+            </a:r>
+            <a:r>
+              <a:rPr lang="ko-KR" altLang="en-US" dirty="0"/>
+              <a:t>계산</a:t>
+            </a:r>
+            <a:endParaRPr lang="en-US" altLang="ko-KR" dirty="0"/>
+          </a:p>
+        </p:txBody>
+      </p:sp>
+      <p:sp>
+        <p:nvSpPr>
+          <p:cNvPr id="7" name="TextBox 6">
+            <a:extLst>
+              <a:ext uri="{FF2B5EF4-FFF2-40B4-BE49-F238E27FC236}">
+                <a16:creationId xmlns:a16="http://schemas.microsoft.com/office/drawing/2014/main" id="{F96DFD08-B85A-F3CA-95B0-0D9B41F51783}"/>
+              </a:ext>
+            </a:extLst>
+          </p:cNvPr>
+          <p:cNvSpPr txBox="1"/>
+          <p:nvPr/>
+        </p:nvSpPr>
+        <p:spPr>
+          <a:xfrm>
+            <a:off x="6465770" y="1513477"/>
+            <a:ext cx="6097604" cy="1477328"/>
+          </a:xfrm>
+          <a:prstGeom prst="rect">
+            <a:avLst/>
+          </a:prstGeom>
+          <a:noFill/>
+        </p:spPr>
+        <p:txBody>
+          <a:bodyPr wrap="square">
+            <a:spAutoFit/>
+          </a:bodyPr>
+          <a:lstStyle/>
+          <a:p>
+            <a:r>
+              <a:rPr lang="ko-KR" altLang="en-US" dirty="0" err="1"/>
+              <a:t>언리얼은</a:t>
+            </a:r>
+            <a:r>
+              <a:rPr lang="ko-KR" altLang="en-US" dirty="0"/>
+              <a:t> 필요할 때 추가적으로 </a:t>
+            </a:r>
+            <a:r>
+              <a:rPr lang="en-US" altLang="ko-KR" dirty="0" err="1"/>
+              <a:t>SceneComponent</a:t>
+            </a:r>
+            <a:r>
+              <a:rPr lang="en-US" altLang="ko-KR" dirty="0"/>
+              <a:t>(Transform)</a:t>
+            </a:r>
+            <a:r>
+              <a:rPr lang="ko-KR" altLang="en-US" dirty="0"/>
+              <a:t>을 추가하는 방식</a:t>
+            </a:r>
+            <a:endParaRPr lang="en-US" altLang="ko-KR" dirty="0"/>
+          </a:p>
+          <a:p>
+            <a:r>
+              <a:rPr lang="en-US" altLang="ko-KR" dirty="0"/>
+              <a:t>Actor::</a:t>
+            </a:r>
+            <a:r>
+              <a:rPr lang="en-US" altLang="ko-KR" dirty="0" err="1"/>
+              <a:t>m_RootComponent</a:t>
+            </a:r>
+            <a:r>
+              <a:rPr lang="ko-KR" altLang="en-US" dirty="0"/>
+              <a:t>에 생성한 컴포넌트 참조</a:t>
+            </a:r>
+            <a:endParaRPr lang="en-US" altLang="ko-KR" dirty="0"/>
+          </a:p>
+          <a:p>
+            <a:r>
+              <a:rPr lang="en-US" altLang="ko-KR" dirty="0"/>
+              <a:t>Transform</a:t>
+            </a:r>
+            <a:r>
+              <a:rPr lang="ko-KR" altLang="en-US" dirty="0"/>
+              <a:t>변경하고 </a:t>
+            </a:r>
+            <a:r>
+              <a:rPr lang="en-US" altLang="ko-KR" dirty="0"/>
+              <a:t>World</a:t>
+            </a:r>
+            <a:r>
+              <a:rPr lang="ko-KR" altLang="en-US" dirty="0"/>
+              <a:t>를 얻을 때 </a:t>
+            </a:r>
+            <a:r>
+              <a:rPr lang="en-US" altLang="ko-KR" dirty="0"/>
+              <a:t>World</a:t>
+            </a:r>
+            <a:r>
+              <a:rPr lang="ko-KR" altLang="en-US" dirty="0"/>
+              <a:t>계산</a:t>
+            </a:r>
+            <a:endParaRPr lang="en-US" altLang="ko-KR" dirty="0"/>
+          </a:p>
+          <a:p>
+            <a:r>
+              <a:rPr lang="en-US" altLang="ko-KR" dirty="0"/>
+              <a:t>Render</a:t>
+            </a:r>
+            <a:r>
+              <a:rPr lang="ko-KR" altLang="en-US" dirty="0"/>
+              <a:t>직전 </a:t>
+            </a:r>
+            <a:r>
+              <a:rPr lang="en-US" altLang="ko-KR" dirty="0"/>
+              <a:t>Dirty </a:t>
+            </a:r>
+            <a:r>
+              <a:rPr lang="ko-KR" altLang="en-US" dirty="0"/>
+              <a:t>확인 후 </a:t>
+            </a:r>
+            <a:r>
+              <a:rPr lang="en-US" altLang="ko-KR" dirty="0"/>
+              <a:t>World </a:t>
+            </a:r>
+            <a:r>
+              <a:rPr lang="ko-KR" altLang="en-US" dirty="0"/>
+              <a:t>계산</a:t>
+            </a:r>
+            <a:endParaRPr lang="en-US" altLang="ko-KR" dirty="0"/>
+          </a:p>
+        </p:txBody>
+      </p:sp>
+      <p:sp>
+        <p:nvSpPr>
+          <p:cNvPr id="8" name="TextBox 7">
+            <a:extLst>
+              <a:ext uri="{FF2B5EF4-FFF2-40B4-BE49-F238E27FC236}">
+                <a16:creationId xmlns:a16="http://schemas.microsoft.com/office/drawing/2014/main" id="{7724619C-29A2-6863-5BB9-E4B310892595}"/>
+              </a:ext>
+            </a:extLst>
+          </p:cNvPr>
+          <p:cNvSpPr txBox="1"/>
+          <p:nvPr/>
+        </p:nvSpPr>
+        <p:spPr>
+          <a:xfrm>
+            <a:off x="6959065" y="843240"/>
+            <a:ext cx="4822257" cy="369332"/>
+          </a:xfrm>
+          <a:prstGeom prst="rect">
+            <a:avLst/>
+          </a:prstGeom>
+          <a:noFill/>
+        </p:spPr>
+        <p:txBody>
+          <a:bodyPr wrap="square">
+            <a:spAutoFit/>
+          </a:bodyPr>
+          <a:lstStyle/>
+          <a:p>
+            <a:r>
+              <a:rPr lang="en-US" altLang="ko-KR" dirty="0"/>
+              <a:t>Dirty–</a:t>
+            </a:r>
+            <a:r>
+              <a:rPr lang="en-US" altLang="ko-KR" dirty="0" err="1"/>
+              <a:t>LazyUpdate</a:t>
+            </a:r>
+            <a:r>
+              <a:rPr lang="en-US" altLang="ko-KR" dirty="0"/>
+              <a:t>-</a:t>
+            </a:r>
+            <a:r>
+              <a:rPr lang="ko-KR" altLang="en-US" dirty="0"/>
+              <a:t>부모 재귀 호출</a:t>
+            </a:r>
+            <a:r>
+              <a:rPr lang="en-US" altLang="ko-KR" dirty="0"/>
+              <a:t> </a:t>
+            </a:r>
+            <a:r>
+              <a:rPr lang="ko-KR" altLang="en-US" dirty="0"/>
+              <a:t>전략 사용</a:t>
+            </a:r>
+            <a:endParaRPr lang="en-US" altLang="ko-KR" dirty="0"/>
+          </a:p>
+        </p:txBody>
+      </p:sp>
+    </p:spTree>
+    <p:extLst>
+      <p:ext uri="{BB962C8B-B14F-4D97-AF65-F5344CB8AC3E}">
+        <p14:creationId xmlns:p14="http://schemas.microsoft.com/office/powerpoint/2010/main" val="807257697"/>
+      </p:ext>
+    </p:extLst>
+  </p:cSld>
+  <p:clrMapOvr>
+    <a:masterClrMapping/>
+  </p:clrMapOvr>
+</p:sld>
+</file>
+
+<file path=ppt/slides/slide11.xml><?xml version="1.0" encoding="utf-8"?>
+<p:sld xmlns:a="http://schemas.openxmlformats.org/drawingml/2006/main" xmlns:r="http://schemas.openxmlformats.org/officeDocument/2006/relationships" xmlns:p="http://schemas.openxmlformats.org/presentationml/2006/main">
+  <p:cSld>
+    <p:spTree>
+      <p:nvGrpSpPr>
+        <p:cNvPr id="1" name=""/>
+        <p:cNvGrpSpPr/>
+        <p:nvPr/>
+      </p:nvGrpSpPr>
+      <p:grpSpPr>
+        <a:xfrm>
+          <a:off x="0" y="0"/>
+          <a:ext cx="0" cy="0"/>
+          <a:chOff x="0" y="0"/>
+          <a:chExt cx="0" cy="0"/>
+        </a:xfrm>
+      </p:grpSpPr>
+      <p:sp>
+        <p:nvSpPr>
+          <p:cNvPr id="2" name="제목 1">
+            <a:extLst>
+              <a:ext uri="{FF2B5EF4-FFF2-40B4-BE49-F238E27FC236}">
                 <a16:creationId xmlns:a16="http://schemas.microsoft.com/office/drawing/2014/main" id="{8D7218F3-AB56-FE75-D87F-FF5F1489D933}"/>
               </a:ext>
             </a:extLst>
@@ -4808,7 +5256,7 @@
 </p:sld>
 </file>
 
-<file path=ppt/slides/slide11.xml><?xml version="1.0" encoding="utf-8"?>
+<file path=ppt/slides/slide12.xml><?xml version="1.0" encoding="utf-8"?>
 <p:sld xmlns:a="http://schemas.openxmlformats.org/drawingml/2006/main" xmlns:r="http://schemas.openxmlformats.org/officeDocument/2006/relationships" xmlns:p="http://schemas.openxmlformats.org/presentationml/2006/main">
   <p:cSld>
     <p:spTree>
@@ -5196,7 +5644,7 @@
 </p:sld>
 </file>
 
-<file path=ppt/slides/slide12.xml><?xml version="1.0" encoding="utf-8"?>
+<file path=ppt/slides/slide13.xml><?xml version="1.0" encoding="utf-8"?>
 <p:sld xmlns:a="http://schemas.openxmlformats.org/drawingml/2006/main" xmlns:r="http://schemas.openxmlformats.org/officeDocument/2006/relationships" xmlns:p="http://schemas.openxmlformats.org/presentationml/2006/main">
   <p:cSld>
     <p:spTree>
@@ -5497,7 +5945,7 @@
 </p:sld>
 </file>
 
-<file path=ppt/slides/slide13.xml><?xml version="1.0" encoding="utf-8"?>
+<file path=ppt/slides/slide14.xml><?xml version="1.0" encoding="utf-8"?>
 <p:sld xmlns:a="http://schemas.openxmlformats.org/drawingml/2006/main" xmlns:r="http://schemas.openxmlformats.org/officeDocument/2006/relationships" xmlns:p="http://schemas.openxmlformats.org/presentationml/2006/main">
   <p:cSld>
     <p:spTree>
@@ -11420,7 +11868,7 @@
           <p:cNvPr id="2" name="제목 1">
             <a:extLst>
               <a:ext uri="{FF2B5EF4-FFF2-40B4-BE49-F238E27FC236}">
-                <a16:creationId xmlns:a16="http://schemas.microsoft.com/office/drawing/2014/main" id="{8B40CFF8-2F89-2DBB-A845-8E787D54F70A}"/>
+                <a16:creationId xmlns:a16="http://schemas.microsoft.com/office/drawing/2014/main" id="{5AA282A3-C5B7-464F-B066-80713C835215}"/>
               </a:ext>
             </a:extLst>
           </p:cNvPr>
@@ -11438,7 +11886,11 @@
           <a:p>
             <a:r>
               <a:rPr lang="en-US" altLang="ko-KR" dirty="0" err="1"/>
-              <a:t>TransformComponent</a:t>
+              <a:t>GameObject</a:t>
+            </a:r>
+            <a:r>
+              <a:rPr lang="en-US" altLang="ko-KR" dirty="0"/>
+              <a:t> – Component - System</a:t>
             </a:r>
             <a:endParaRPr lang="ko-KR" altLang="en-US" dirty="0"/>
           </a:p>
@@ -11446,396 +11898,38 @@
       </p:sp>
       <p:pic>
         <p:nvPicPr>
-          <p:cNvPr id="3" name="Picture 2" descr="image alt text">
-            <a:extLst>
-              <a:ext uri="{FF2B5EF4-FFF2-40B4-BE49-F238E27FC236}">
-                <a16:creationId xmlns:a16="http://schemas.microsoft.com/office/drawing/2014/main" id="{31771ECD-D28A-EE83-BED5-94F86CF41F5A}"/>
+          <p:cNvPr id="3" name="그림 2">
+            <a:extLst>
+              <a:ext uri="{FF2B5EF4-FFF2-40B4-BE49-F238E27FC236}">
+                <a16:creationId xmlns:a16="http://schemas.microsoft.com/office/drawing/2014/main" id="{3D4C3281-6481-4414-908F-3F92CDF3D2BD}"/>
               </a:ext>
             </a:extLst>
           </p:cNvPr>
           <p:cNvPicPr>
-            <a:picLocks noChangeAspect="1" noChangeArrowheads="1"/>
+            <a:picLocks noChangeAspect="1"/>
           </p:cNvPicPr>
           <p:nvPr/>
         </p:nvPicPr>
         <p:blipFill>
-          <a:blip r:embed="rId2">
-            <a:extLst>
-              <a:ext uri="{28A0092B-C50C-407E-A947-70E740481C1C}">
-                <a14:useLocalDpi xmlns:a14="http://schemas.microsoft.com/office/drawing/2010/main" val="0"/>
-              </a:ext>
-            </a:extLst>
-          </a:blip>
-          <a:srcRect/>
+          <a:blip r:embed="rId2"/>
           <a:stretch>
             <a:fillRect/>
           </a:stretch>
         </p:blipFill>
-        <p:spPr bwMode="auto">
+        <p:spPr>
           <a:xfrm>
-            <a:off x="997820" y="2974206"/>
-            <a:ext cx="3896697" cy="3883794"/>
+            <a:off x="1055076" y="1904420"/>
+            <a:ext cx="8669216" cy="4917625"/>
           </a:xfrm>
           <a:prstGeom prst="rect">
             <a:avLst/>
           </a:prstGeom>
-          <a:noFill/>
-          <a:extLst>
-            <a:ext uri="{909E8E84-426E-40DD-AFC4-6F175D3DCCD1}">
-              <a14:hiddenFill xmlns:a14="http://schemas.microsoft.com/office/drawing/2010/main">
-                <a:solidFill>
-                  <a:srgbClr val="FFFFFF"/>
-                </a:solidFill>
-              </a14:hiddenFill>
-            </a:ext>
-          </a:extLst>
         </p:spPr>
       </p:pic>
-      <p:pic>
-        <p:nvPicPr>
-          <p:cNvPr id="4" name="Picture 4" descr="image alt text">
-            <a:extLst>
-              <a:ext uri="{FF2B5EF4-FFF2-40B4-BE49-F238E27FC236}">
-                <a16:creationId xmlns:a16="http://schemas.microsoft.com/office/drawing/2014/main" id="{1555DDBC-DDDE-0E30-D7A5-0F8B1F361B8D}"/>
-              </a:ext>
-            </a:extLst>
-          </p:cNvPr>
-          <p:cNvPicPr>
-            <a:picLocks noChangeAspect="1" noChangeArrowheads="1"/>
-          </p:cNvPicPr>
-          <p:nvPr/>
-        </p:nvPicPr>
-        <p:blipFill>
-          <a:blip r:embed="rId3">
-            <a:extLst>
-              <a:ext uri="{28A0092B-C50C-407E-A947-70E740481C1C}">
-                <a14:useLocalDpi xmlns:a14="http://schemas.microsoft.com/office/drawing/2010/main" val="0"/>
-              </a:ext>
-            </a:extLst>
-          </a:blip>
-          <a:srcRect/>
-          <a:stretch>
-            <a:fillRect/>
-          </a:stretch>
-        </p:blipFill>
-        <p:spPr bwMode="auto">
-          <a:xfrm>
-            <a:off x="6327341" y="3063024"/>
-            <a:ext cx="4866839" cy="3794976"/>
-          </a:xfrm>
-          <a:prstGeom prst="rect">
-            <a:avLst/>
-          </a:prstGeom>
-          <a:noFill/>
-          <a:extLst>
-            <a:ext uri="{909E8E84-426E-40DD-AFC4-6F175D3DCCD1}">
-              <a14:hiddenFill xmlns:a14="http://schemas.microsoft.com/office/drawing/2010/main">
-                <a:solidFill>
-                  <a:srgbClr val="FFFFFF"/>
-                </a:solidFill>
-              </a14:hiddenFill>
-            </a:ext>
-          </a:extLst>
-        </p:spPr>
-      </p:pic>
-      <p:sp>
-        <p:nvSpPr>
-          <p:cNvPr id="5" name="TextBox 4">
-            <a:extLst>
-              <a:ext uri="{FF2B5EF4-FFF2-40B4-BE49-F238E27FC236}">
-                <a16:creationId xmlns:a16="http://schemas.microsoft.com/office/drawing/2014/main" id="{FB49265D-D73B-3E31-6CFA-557A2C3738D9}"/>
-              </a:ext>
-            </a:extLst>
-          </p:cNvPr>
-          <p:cNvSpPr txBox="1"/>
-          <p:nvPr/>
-        </p:nvSpPr>
-        <p:spPr>
-          <a:xfrm>
-            <a:off x="256226" y="1513477"/>
-            <a:ext cx="6423706" cy="1200329"/>
-          </a:xfrm>
-          <a:prstGeom prst="rect">
-            <a:avLst/>
-          </a:prstGeom>
-          <a:noFill/>
-        </p:spPr>
-        <p:txBody>
-          <a:bodyPr wrap="square">
-            <a:spAutoFit/>
-          </a:bodyPr>
-          <a:lstStyle/>
-          <a:p>
-            <a:r>
-              <a:rPr lang="ko-KR" altLang="en-US" dirty="0"/>
-              <a:t>유니티는 </a:t>
-            </a:r>
-            <a:r>
-              <a:rPr lang="en-US" altLang="ko-KR" dirty="0" err="1"/>
-              <a:t>GameObject</a:t>
-            </a:r>
-            <a:r>
-              <a:rPr lang="en-US" altLang="ko-KR" dirty="0"/>
-              <a:t> –</a:t>
-            </a:r>
-            <a:r>
-              <a:rPr lang="en-US" altLang="ko-KR" dirty="0" err="1"/>
-              <a:t>TransformComponent</a:t>
-            </a:r>
-            <a:r>
-              <a:rPr lang="en-US" altLang="ko-KR" dirty="0"/>
-              <a:t> 1:1</a:t>
-            </a:r>
-            <a:r>
-              <a:rPr lang="ko-KR" altLang="en-US" dirty="0"/>
-              <a:t>생성  </a:t>
-            </a:r>
-            <a:endParaRPr lang="en-US" altLang="ko-KR" dirty="0"/>
-          </a:p>
-          <a:p>
-            <a:r>
-              <a:rPr lang="en-US" altLang="ko-KR" dirty="0" err="1"/>
-              <a:t>GameObject</a:t>
-            </a:r>
-            <a:r>
-              <a:rPr lang="en-US" altLang="ko-KR" dirty="0"/>
-              <a:t>::transform</a:t>
-            </a:r>
-            <a:r>
-              <a:rPr lang="ko-KR" altLang="en-US" dirty="0"/>
-              <a:t>가 생성한 컴포넌트 참조 </a:t>
-            </a:r>
-            <a:endParaRPr lang="en-US" altLang="ko-KR" dirty="0"/>
-          </a:p>
-          <a:p>
-            <a:r>
-              <a:rPr lang="ko-KR" altLang="en-US" dirty="0"/>
-              <a:t>나머지 컴포넌트는 </a:t>
-            </a:r>
-            <a:r>
-              <a:rPr lang="en-US" altLang="ko-KR" dirty="0" err="1"/>
-              <a:t>Gamobject</a:t>
-            </a:r>
-            <a:r>
-              <a:rPr lang="en-US" altLang="ko-KR" dirty="0"/>
-              <a:t>::transform </a:t>
-            </a:r>
-            <a:r>
-              <a:rPr lang="ko-KR" altLang="en-US" dirty="0"/>
-              <a:t>만 접근</a:t>
-            </a:r>
-            <a:endParaRPr lang="en-US" altLang="ko-KR" dirty="0"/>
-          </a:p>
-          <a:p>
-            <a:r>
-              <a:rPr lang="en-US" altLang="ko-KR" dirty="0" err="1"/>
-              <a:t>TransformSystem</a:t>
-            </a:r>
-            <a:r>
-              <a:rPr lang="ko-KR" altLang="en-US" dirty="0"/>
-              <a:t>이 아직 </a:t>
-            </a:r>
-            <a:r>
-              <a:rPr lang="ko-KR" altLang="en-US" dirty="0" err="1"/>
-              <a:t>계산되지않은</a:t>
-            </a:r>
-            <a:r>
-              <a:rPr lang="ko-KR" altLang="en-US" dirty="0"/>
-              <a:t> </a:t>
-            </a:r>
-            <a:r>
-              <a:rPr lang="en-US" altLang="ko-KR" dirty="0"/>
-              <a:t>World</a:t>
-            </a:r>
-            <a:r>
-              <a:rPr lang="ko-KR" altLang="en-US" dirty="0"/>
-              <a:t>계산</a:t>
-            </a:r>
-            <a:endParaRPr lang="en-US" altLang="ko-KR" dirty="0"/>
-          </a:p>
-        </p:txBody>
-      </p:sp>
-      <p:sp>
-        <p:nvSpPr>
-          <p:cNvPr id="7" name="TextBox 6">
-            <a:extLst>
-              <a:ext uri="{FF2B5EF4-FFF2-40B4-BE49-F238E27FC236}">
-                <a16:creationId xmlns:a16="http://schemas.microsoft.com/office/drawing/2014/main" id="{F96DFD08-B85A-F3CA-95B0-0D9B41F51783}"/>
-              </a:ext>
-            </a:extLst>
-          </p:cNvPr>
-          <p:cNvSpPr txBox="1"/>
-          <p:nvPr/>
-        </p:nvSpPr>
-        <p:spPr>
-          <a:xfrm>
-            <a:off x="6465770" y="1513477"/>
-            <a:ext cx="6097604" cy="1477328"/>
-          </a:xfrm>
-          <a:prstGeom prst="rect">
-            <a:avLst/>
-          </a:prstGeom>
-          <a:noFill/>
-        </p:spPr>
-        <p:txBody>
-          <a:bodyPr wrap="square">
-            <a:spAutoFit/>
-          </a:bodyPr>
-          <a:lstStyle/>
-          <a:p>
-            <a:r>
-              <a:rPr lang="ko-KR" altLang="en-US" dirty="0" err="1"/>
-              <a:t>언리얼은</a:t>
-            </a:r>
-            <a:r>
-              <a:rPr lang="ko-KR" altLang="en-US" dirty="0"/>
-              <a:t> 필요할 때 추가적으로 </a:t>
-            </a:r>
-            <a:r>
-              <a:rPr lang="en-US" altLang="ko-KR" dirty="0" err="1"/>
-              <a:t>SceneComponent</a:t>
-            </a:r>
-            <a:r>
-              <a:rPr lang="en-US" altLang="ko-KR" dirty="0"/>
-              <a:t>(Transform)</a:t>
-            </a:r>
-            <a:r>
-              <a:rPr lang="ko-KR" altLang="en-US" dirty="0"/>
-              <a:t>을 추가하는 방식</a:t>
-            </a:r>
-            <a:endParaRPr lang="en-US" altLang="ko-KR" dirty="0"/>
-          </a:p>
-          <a:p>
-            <a:r>
-              <a:rPr lang="en-US" altLang="ko-KR" dirty="0"/>
-              <a:t>Actor::</a:t>
-            </a:r>
-            <a:r>
-              <a:rPr lang="en-US" altLang="ko-KR" dirty="0" err="1"/>
-              <a:t>m_RootComponent</a:t>
-            </a:r>
-            <a:r>
-              <a:rPr lang="ko-KR" altLang="en-US" dirty="0"/>
-              <a:t>에 생성한 컴포넌트 참조</a:t>
-            </a:r>
-            <a:endParaRPr lang="en-US" altLang="ko-KR" dirty="0"/>
-          </a:p>
-          <a:p>
-            <a:r>
-              <a:rPr lang="en-US" altLang="ko-KR" dirty="0"/>
-              <a:t>Transform</a:t>
-            </a:r>
-            <a:r>
-              <a:rPr lang="ko-KR" altLang="en-US" dirty="0"/>
-              <a:t>변경하고 </a:t>
-            </a:r>
-            <a:r>
-              <a:rPr lang="en-US" altLang="ko-KR" dirty="0"/>
-              <a:t>World</a:t>
-            </a:r>
-            <a:r>
-              <a:rPr lang="ko-KR" altLang="en-US" dirty="0"/>
-              <a:t>를 얻을 때 </a:t>
-            </a:r>
-            <a:r>
-              <a:rPr lang="en-US" altLang="ko-KR" dirty="0"/>
-              <a:t>World</a:t>
-            </a:r>
-            <a:r>
-              <a:rPr lang="ko-KR" altLang="en-US" dirty="0"/>
-              <a:t>계산</a:t>
-            </a:r>
-            <a:endParaRPr lang="en-US" altLang="ko-KR" dirty="0"/>
-          </a:p>
-          <a:p>
-            <a:r>
-              <a:rPr lang="en-US" altLang="ko-KR" dirty="0"/>
-              <a:t>Render</a:t>
-            </a:r>
-            <a:r>
-              <a:rPr lang="ko-KR" altLang="en-US" dirty="0"/>
-              <a:t>직전 </a:t>
-            </a:r>
-            <a:r>
-              <a:rPr lang="en-US" altLang="ko-KR" dirty="0"/>
-              <a:t>Dirty </a:t>
-            </a:r>
-            <a:r>
-              <a:rPr lang="ko-KR" altLang="en-US" dirty="0"/>
-              <a:t>확인 후 </a:t>
-            </a:r>
-            <a:r>
-              <a:rPr lang="en-US" altLang="ko-KR" dirty="0"/>
-              <a:t>World </a:t>
-            </a:r>
-            <a:r>
-              <a:rPr lang="ko-KR" altLang="en-US" dirty="0"/>
-              <a:t>계산</a:t>
-            </a:r>
-            <a:endParaRPr lang="en-US" altLang="ko-KR" dirty="0"/>
-          </a:p>
-        </p:txBody>
-      </p:sp>
-      <p:sp>
-        <p:nvSpPr>
-          <p:cNvPr id="8" name="TextBox 7">
-            <a:extLst>
-              <a:ext uri="{FF2B5EF4-FFF2-40B4-BE49-F238E27FC236}">
-                <a16:creationId xmlns:a16="http://schemas.microsoft.com/office/drawing/2014/main" id="{7724619C-29A2-6863-5BB9-E4B310892595}"/>
-              </a:ext>
-            </a:extLst>
-          </p:cNvPr>
-          <p:cNvSpPr txBox="1"/>
-          <p:nvPr/>
-        </p:nvSpPr>
-        <p:spPr>
-          <a:xfrm>
-            <a:off x="6959065" y="843240"/>
-            <a:ext cx="4822257" cy="369332"/>
-          </a:xfrm>
-          <a:prstGeom prst="rect">
-            <a:avLst/>
-          </a:prstGeom>
-          <a:noFill/>
-        </p:spPr>
-        <p:txBody>
-          <a:bodyPr wrap="square">
-            <a:spAutoFit/>
-          </a:bodyPr>
-          <a:lstStyle/>
-          <a:p>
-            <a:r>
-              <a:rPr lang="en-US" altLang="ko-KR" dirty="0"/>
-              <a:t>Dirty–</a:t>
-            </a:r>
-            <a:r>
-              <a:rPr lang="en-US" altLang="ko-KR" dirty="0" err="1"/>
-              <a:t>LazyUpdate</a:t>
-            </a:r>
-            <a:r>
-              <a:rPr lang="en-US" altLang="ko-KR" dirty="0"/>
-              <a:t>-</a:t>
-            </a:r>
-            <a:r>
-              <a:rPr lang="ko-KR" altLang="en-US" dirty="0"/>
-              <a:t>부모 재귀 호출</a:t>
-            </a:r>
-            <a:r>
-              <a:rPr lang="en-US" altLang="ko-KR" dirty="0"/>
-              <a:t> </a:t>
-            </a:r>
-            <a:r>
-              <a:rPr lang="ko-KR" altLang="en-US" dirty="0"/>
-              <a:t>전략 사용</a:t>
-            </a:r>
-            <a:endParaRPr lang="en-US" altLang="ko-KR" dirty="0"/>
-          </a:p>
-        </p:txBody>
-      </p:sp>
     </p:spTree>
     <p:extLst>
       <p:ext uri="{BB962C8B-B14F-4D97-AF65-F5344CB8AC3E}">
-        <p14:creationId xmlns:p14="http://schemas.microsoft.com/office/powerpoint/2010/main" val="807257697"/>
+        <p14:creationId xmlns:p14="http://schemas.microsoft.com/office/powerpoint/2010/main" val="3606220203"/>
       </p:ext>
     </p:extLst>
   </p:cSld>

--- a/ppt/GameObject.pptx
+++ b/ppt/GameObject.pptx
@@ -381,7 +381,7 @@
           <a:p>
             <a:fld id="{488192B6-4AC4-4314-B024-56476DBB971D}" type="datetimeFigureOut">
               <a:rPr lang="ko-KR" altLang="en-US" smtClean="0"/>
-              <a:t>2025-06-20</a:t>
+              <a:t>2025-06-24</a:t>
             </a:fld>
             <a:endParaRPr lang="ko-KR" altLang="en-US"/>
           </a:p>
@@ -879,7 +879,7 @@
           <a:p>
             <a:fld id="{D066D795-C01F-44D1-9CCD-9B77C4474E7E}" type="datetimeFigureOut">
               <a:rPr lang="ko-KR" altLang="en-US" smtClean="0"/>
-              <a:t>2025-06-19</a:t>
+              <a:t>2025-06-24</a:t>
             </a:fld>
             <a:endParaRPr lang="ko-KR" altLang="en-US"/>
           </a:p>
@@ -1077,7 +1077,7 @@
           <a:p>
             <a:fld id="{D066D795-C01F-44D1-9CCD-9B77C4474E7E}" type="datetimeFigureOut">
               <a:rPr lang="ko-KR" altLang="en-US" smtClean="0"/>
-              <a:t>2025-06-19</a:t>
+              <a:t>2025-06-24</a:t>
             </a:fld>
             <a:endParaRPr lang="ko-KR" altLang="en-US"/>
           </a:p>
@@ -1285,7 +1285,7 @@
           <a:p>
             <a:fld id="{D066D795-C01F-44D1-9CCD-9B77C4474E7E}" type="datetimeFigureOut">
               <a:rPr lang="ko-KR" altLang="en-US" smtClean="0"/>
-              <a:t>2025-06-19</a:t>
+              <a:t>2025-06-24</a:t>
             </a:fld>
             <a:endParaRPr lang="ko-KR" altLang="en-US"/>
           </a:p>
@@ -1483,7 +1483,7 @@
           <a:p>
             <a:fld id="{D066D795-C01F-44D1-9CCD-9B77C4474E7E}" type="datetimeFigureOut">
               <a:rPr lang="ko-KR" altLang="en-US" smtClean="0"/>
-              <a:t>2025-06-19</a:t>
+              <a:t>2025-06-24</a:t>
             </a:fld>
             <a:endParaRPr lang="ko-KR" altLang="en-US"/>
           </a:p>
@@ -1758,7 +1758,7 @@
           <a:p>
             <a:fld id="{D066D795-C01F-44D1-9CCD-9B77C4474E7E}" type="datetimeFigureOut">
               <a:rPr lang="ko-KR" altLang="en-US" smtClean="0"/>
-              <a:t>2025-06-19</a:t>
+              <a:t>2025-06-24</a:t>
             </a:fld>
             <a:endParaRPr lang="ko-KR" altLang="en-US"/>
           </a:p>
@@ -2023,7 +2023,7 @@
           <a:p>
             <a:fld id="{D066D795-C01F-44D1-9CCD-9B77C4474E7E}" type="datetimeFigureOut">
               <a:rPr lang="ko-KR" altLang="en-US" smtClean="0"/>
-              <a:t>2025-06-19</a:t>
+              <a:t>2025-06-24</a:t>
             </a:fld>
             <a:endParaRPr lang="ko-KR" altLang="en-US"/>
           </a:p>
@@ -2435,7 +2435,7 @@
           <a:p>
             <a:fld id="{D066D795-C01F-44D1-9CCD-9B77C4474E7E}" type="datetimeFigureOut">
               <a:rPr lang="ko-KR" altLang="en-US" smtClean="0"/>
-              <a:t>2025-06-19</a:t>
+              <a:t>2025-06-24</a:t>
             </a:fld>
             <a:endParaRPr lang="ko-KR" altLang="en-US"/>
           </a:p>
@@ -2576,7 +2576,7 @@
           <a:p>
             <a:fld id="{D066D795-C01F-44D1-9CCD-9B77C4474E7E}" type="datetimeFigureOut">
               <a:rPr lang="ko-KR" altLang="en-US" smtClean="0"/>
-              <a:t>2025-06-19</a:t>
+              <a:t>2025-06-24</a:t>
             </a:fld>
             <a:endParaRPr lang="ko-KR" altLang="en-US"/>
           </a:p>
@@ -2689,7 +2689,7 @@
           <a:p>
             <a:fld id="{D066D795-C01F-44D1-9CCD-9B77C4474E7E}" type="datetimeFigureOut">
               <a:rPr lang="ko-KR" altLang="en-US" smtClean="0"/>
-              <a:t>2025-06-19</a:t>
+              <a:t>2025-06-24</a:t>
             </a:fld>
             <a:endParaRPr lang="ko-KR" altLang="en-US"/>
           </a:p>
@@ -3000,7 +3000,7 @@
           <a:p>
             <a:fld id="{D066D795-C01F-44D1-9CCD-9B77C4474E7E}" type="datetimeFigureOut">
               <a:rPr lang="ko-KR" altLang="en-US" smtClean="0"/>
-              <a:t>2025-06-19</a:t>
+              <a:t>2025-06-24</a:t>
             </a:fld>
             <a:endParaRPr lang="ko-KR" altLang="en-US"/>
           </a:p>
@@ -3288,7 +3288,7 @@
           <a:p>
             <a:fld id="{D066D795-C01F-44D1-9CCD-9B77C4474E7E}" type="datetimeFigureOut">
               <a:rPr lang="ko-KR" altLang="en-US" smtClean="0"/>
-              <a:t>2025-06-19</a:t>
+              <a:t>2025-06-24</a:t>
             </a:fld>
             <a:endParaRPr lang="ko-KR" altLang="en-US"/>
           </a:p>
@@ -3529,7 +3529,7 @@
           <a:p>
             <a:fld id="{D066D795-C01F-44D1-9CCD-9B77C4474E7E}" type="datetimeFigureOut">
               <a:rPr lang="ko-KR" altLang="en-US" smtClean="0"/>
-              <a:t>2025-06-19</a:t>
+              <a:t>2025-06-24</a:t>
             </a:fld>
             <a:endParaRPr lang="ko-KR" altLang="en-US"/>
           </a:p>
@@ -16509,53 +16509,6 @@
           </a:extLst>
         </p:spPr>
       </p:pic>
-      <p:pic>
-        <p:nvPicPr>
-          <p:cNvPr id="5" name="Picture 4" descr="image alt text">
-            <a:extLst>
-              <a:ext uri="{FF2B5EF4-FFF2-40B4-BE49-F238E27FC236}">
-                <a16:creationId xmlns:a16="http://schemas.microsoft.com/office/drawing/2014/main" id="{E41B6A2C-6B13-9021-1817-6DC94EE6DCA1}"/>
-              </a:ext>
-            </a:extLst>
-          </p:cNvPr>
-          <p:cNvPicPr>
-            <a:picLocks noChangeAspect="1" noChangeArrowheads="1"/>
-          </p:cNvPicPr>
-          <p:nvPr/>
-        </p:nvPicPr>
-        <p:blipFill>
-          <a:blip r:embed="rId3">
-            <a:extLst>
-              <a:ext uri="{28A0092B-C50C-407E-A947-70E740481C1C}">
-                <a14:useLocalDpi xmlns:a14="http://schemas.microsoft.com/office/drawing/2010/main" val="0"/>
-              </a:ext>
-            </a:extLst>
-          </a:blip>
-          <a:srcRect/>
-          <a:stretch>
-            <a:fillRect/>
-          </a:stretch>
-        </p:blipFill>
-        <p:spPr bwMode="auto">
-          <a:xfrm>
-            <a:off x="6295591" y="3063024"/>
-            <a:ext cx="4866839" cy="3794976"/>
-          </a:xfrm>
-          <a:prstGeom prst="rect">
-            <a:avLst/>
-          </a:prstGeom>
-          <a:noFill/>
-          <a:extLst>
-            <a:ext uri="{909E8E84-426E-40DD-AFC4-6F175D3DCCD1}">
-              <a14:hiddenFill xmlns:a14="http://schemas.microsoft.com/office/drawing/2010/main">
-                <a:solidFill>
-                  <a:srgbClr val="FFFFFF"/>
-                </a:solidFill>
-              </a14:hiddenFill>
-            </a:ext>
-          </a:extLst>
-        </p:spPr>
-      </p:pic>
       <p:sp>
         <p:nvSpPr>
           <p:cNvPr id="6" name="사각형: 둥근 모서리 5">
@@ -16655,69 +16608,6 @@
       </p:sp>
       <p:sp>
         <p:nvSpPr>
-          <p:cNvPr id="16" name="사각형: 둥근 모서리 15">
-            <a:extLst>
-              <a:ext uri="{FF2B5EF4-FFF2-40B4-BE49-F238E27FC236}">
-                <a16:creationId xmlns:a16="http://schemas.microsoft.com/office/drawing/2014/main" id="{24FC4F48-73F7-9C14-6377-3791223ED5CC}"/>
-              </a:ext>
-            </a:extLst>
-          </p:cNvPr>
-          <p:cNvSpPr/>
-          <p:nvPr/>
-        </p:nvSpPr>
-        <p:spPr>
-          <a:xfrm>
-            <a:off x="7166876" y="3859551"/>
-            <a:ext cx="1418324" cy="452388"/>
-          </a:xfrm>
-          <a:prstGeom prst="roundRect">
-            <a:avLst/>
-          </a:prstGeom>
-          <a:solidFill>
-            <a:schemeClr val="tx1">
-              <a:lumMod val="65000"/>
-              <a:lumOff val="35000"/>
-            </a:schemeClr>
-          </a:solidFill>
-          <a:ln/>
-        </p:spPr>
-        <p:style>
-          <a:lnRef idx="3">
-            <a:schemeClr val="lt1"/>
-          </a:lnRef>
-          <a:fillRef idx="1">
-            <a:schemeClr val="accent3"/>
-          </a:fillRef>
-          <a:effectRef idx="1">
-            <a:schemeClr val="accent3"/>
-          </a:effectRef>
-          <a:fontRef idx="minor">
-            <a:schemeClr val="lt1"/>
-          </a:fontRef>
-        </p:style>
-        <p:txBody>
-          <a:bodyPr rtlCol="0" anchor="ctr"/>
-          <a:lstStyle/>
-          <a:p>
-            <a:pPr algn="ctr"/>
-            <a:r>
-              <a:rPr lang="en-US" altLang="ko-KR" sz="1100" b="1" dirty="0" err="1">
-                <a:solidFill>
-                  <a:schemeClr val="bg1"/>
-                </a:solidFill>
-              </a:rPr>
-              <a:t>PaperFlipbook</a:t>
-            </a:r>
-            <a:endParaRPr lang="en-US" altLang="ko-KR" sz="1100" b="1" dirty="0">
-              <a:solidFill>
-                <a:schemeClr val="bg1"/>
-              </a:solidFill>
-            </a:endParaRPr>
-          </a:p>
-        </p:txBody>
-      </p:sp>
-      <p:sp>
-        <p:nvSpPr>
           <p:cNvPr id="18" name="TextBox 17">
             <a:extLst>
               <a:ext uri="{FF2B5EF4-FFF2-40B4-BE49-F238E27FC236}">
@@ -16904,10 +16794,10 @@
       </p:sp>
       <p:grpSp>
         <p:nvGrpSpPr>
-          <p:cNvPr id="17" name="그룹 16">
-            <a:extLst>
-              <a:ext uri="{FF2B5EF4-FFF2-40B4-BE49-F238E27FC236}">
-                <a16:creationId xmlns:a16="http://schemas.microsoft.com/office/drawing/2014/main" id="{57C63CCF-C9E2-973C-2238-F203119C57D3}"/>
+          <p:cNvPr id="7" name="그룹 6">
+            <a:extLst>
+              <a:ext uri="{FF2B5EF4-FFF2-40B4-BE49-F238E27FC236}">
+                <a16:creationId xmlns:a16="http://schemas.microsoft.com/office/drawing/2014/main" id="{C0D90DC9-7D03-1220-8BC8-9FBCD2EFADEB}"/>
               </a:ext>
             </a:extLst>
           </p:cNvPr>
@@ -16916,18 +16806,65 @@
         </p:nvGrpSpPr>
         <p:grpSpPr>
           <a:xfrm>
-            <a:off x="10391253" y="3012319"/>
-            <a:ext cx="1240524" cy="2599239"/>
-            <a:chOff x="10113275" y="2564298"/>
-            <a:chExt cx="1240524" cy="2599239"/>
+            <a:off x="6295591" y="3012319"/>
+            <a:ext cx="5336186" cy="3845681"/>
+            <a:chOff x="6295591" y="3012319"/>
+            <a:chExt cx="5336186" cy="3845681"/>
           </a:xfrm>
         </p:grpSpPr>
+        <p:pic>
+          <p:nvPicPr>
+            <p:cNvPr id="5" name="Picture 4" descr="image alt text">
+              <a:extLst>
+                <a:ext uri="{FF2B5EF4-FFF2-40B4-BE49-F238E27FC236}">
+                  <a16:creationId xmlns:a16="http://schemas.microsoft.com/office/drawing/2014/main" id="{E41B6A2C-6B13-9021-1817-6DC94EE6DCA1}"/>
+                </a:ext>
+              </a:extLst>
+            </p:cNvPr>
+            <p:cNvPicPr>
+              <a:picLocks noChangeAspect="1" noChangeArrowheads="1"/>
+            </p:cNvPicPr>
+            <p:nvPr/>
+          </p:nvPicPr>
+          <p:blipFill>
+            <a:blip r:embed="rId3">
+              <a:extLst>
+                <a:ext uri="{28A0092B-C50C-407E-A947-70E740481C1C}">
+                  <a14:useLocalDpi xmlns:a14="http://schemas.microsoft.com/office/drawing/2010/main" val="0"/>
+                </a:ext>
+              </a:extLst>
+            </a:blip>
+            <a:srcRect/>
+            <a:stretch>
+              <a:fillRect/>
+            </a:stretch>
+          </p:blipFill>
+          <p:spPr bwMode="auto">
+            <a:xfrm>
+              <a:off x="6295591" y="3063024"/>
+              <a:ext cx="4866839" cy="3794976"/>
+            </a:xfrm>
+            <a:prstGeom prst="rect">
+              <a:avLst/>
+            </a:prstGeom>
+            <a:noFill/>
+            <a:extLst>
+              <a:ext uri="{909E8E84-426E-40DD-AFC4-6F175D3DCCD1}">
+                <a14:hiddenFill xmlns:a14="http://schemas.microsoft.com/office/drawing/2010/main">
+                  <a:solidFill>
+                    <a:srgbClr val="FFFFFF"/>
+                  </a:solidFill>
+                </a14:hiddenFill>
+              </a:ext>
+            </a:extLst>
+          </p:spPr>
+        </p:pic>
         <p:sp>
           <p:nvSpPr>
-            <p:cNvPr id="10" name="사각형: 둥근 모서리 9">
+            <p:cNvPr id="16" name="사각형: 둥근 모서리 15">
               <a:extLst>
                 <a:ext uri="{FF2B5EF4-FFF2-40B4-BE49-F238E27FC236}">
-                  <a16:creationId xmlns:a16="http://schemas.microsoft.com/office/drawing/2014/main" id="{1DE6CD27-9DBF-14B1-7C36-E764BF855D59}"/>
+                  <a16:creationId xmlns:a16="http://schemas.microsoft.com/office/drawing/2014/main" id="{24FC4F48-73F7-9C14-6377-3791223ED5CC}"/>
                 </a:ext>
               </a:extLst>
             </p:cNvPr>
@@ -16936,8 +16873,8 @@
           </p:nvSpPr>
           <p:spPr>
             <a:xfrm>
-              <a:off x="10113275" y="3921462"/>
-              <a:ext cx="1240523" cy="452388"/>
+              <a:off x="7166876" y="3859551"/>
+              <a:ext cx="1418324" cy="452388"/>
             </a:xfrm>
             <a:prstGeom prst="roundRect">
               <a:avLst/>
@@ -16948,19 +16885,17 @@
                 <a:lumOff val="35000"/>
               </a:schemeClr>
             </a:solidFill>
-            <a:ln>
-              <a:noFill/>
-            </a:ln>
+            <a:ln/>
           </p:spPr>
           <p:style>
-            <a:lnRef idx="0">
-              <a:scrgbClr r="0" g="0" b="0"/>
+            <a:lnRef idx="3">
+              <a:schemeClr val="lt1"/>
             </a:lnRef>
-            <a:fillRef idx="0">
-              <a:scrgbClr r="0" g="0" b="0"/>
+            <a:fillRef idx="1">
+              <a:schemeClr val="accent3"/>
             </a:fillRef>
-            <a:effectRef idx="0">
-              <a:scrgbClr r="0" g="0" b="0"/>
+            <a:effectRef idx="1">
+              <a:schemeClr val="accent3"/>
             </a:effectRef>
             <a:fontRef idx="minor">
               <a:schemeClr val="lt1"/>
@@ -16972,103 +16907,521 @@
             <a:p>
               <a:pPr algn="ctr"/>
               <a:r>
-                <a:rPr lang="en-US" altLang="ko-KR" sz="1100" dirty="0">
+                <a:rPr lang="en-US" altLang="ko-KR" sz="1100" b="1" dirty="0" err="1">
                   <a:solidFill>
-                    <a:schemeClr val="bg2"/>
+                    <a:schemeClr val="bg1"/>
                   </a:solidFill>
                 </a:rPr>
-                <a:t>PaperSprite</a:t>
+                <a:t>PaperFlipbook</a:t>
               </a:r>
-            </a:p>
-            <a:p>
-              <a:pPr algn="ctr"/>
-              <a:r>
-                <a:rPr lang="en-US" altLang="ko-KR" sz="1100" dirty="0">
-                  <a:solidFill>
-                    <a:schemeClr val="bg2"/>
-                  </a:solidFill>
-                </a:rPr>
-                <a:t>Component</a:t>
-              </a:r>
-              <a:endParaRPr lang="ko-KR" altLang="en-US" sz="1100" dirty="0">
+              <a:endParaRPr lang="en-US" altLang="ko-KR" sz="1100" b="1" dirty="0">
                 <a:solidFill>
-                  <a:schemeClr val="bg2"/>
+                  <a:schemeClr val="bg1"/>
                 </a:solidFill>
               </a:endParaRPr>
             </a:p>
           </p:txBody>
         </p:sp>
-        <p:sp>
-          <p:nvSpPr>
-            <p:cNvPr id="11" name="사각형: 둥근 모서리 10">
+        <p:grpSp>
+          <p:nvGrpSpPr>
+            <p:cNvPr id="17" name="그룹 16">
               <a:extLst>
                 <a:ext uri="{FF2B5EF4-FFF2-40B4-BE49-F238E27FC236}">
-                  <a16:creationId xmlns:a16="http://schemas.microsoft.com/office/drawing/2014/main" id="{48CDBD1A-F249-5353-86F8-A28F1B4D3119}"/>
+                  <a16:creationId xmlns:a16="http://schemas.microsoft.com/office/drawing/2014/main" id="{57C63CCF-C9E2-973C-2238-F203119C57D3}"/>
                 </a:ext>
               </a:extLst>
             </p:cNvPr>
-            <p:cNvSpPr/>
+            <p:cNvGrpSpPr/>
+            <p:nvPr/>
+          </p:nvGrpSpPr>
+          <p:grpSpPr>
+            <a:xfrm>
+              <a:off x="10391253" y="3012319"/>
+              <a:ext cx="1240524" cy="2599239"/>
+              <a:chOff x="10113275" y="2564298"/>
+              <a:chExt cx="1240524" cy="2599239"/>
+            </a:xfrm>
+          </p:grpSpPr>
+          <p:sp>
+            <p:nvSpPr>
+              <p:cNvPr id="10" name="사각형: 둥근 모서리 9">
+                <a:extLst>
+                  <a:ext uri="{FF2B5EF4-FFF2-40B4-BE49-F238E27FC236}">
+                    <a16:creationId xmlns:a16="http://schemas.microsoft.com/office/drawing/2014/main" id="{1DE6CD27-9DBF-14B1-7C36-E764BF855D59}"/>
+                  </a:ext>
+                </a:extLst>
+              </p:cNvPr>
+              <p:cNvSpPr/>
+              <p:nvPr/>
+            </p:nvSpPr>
+            <p:spPr>
+              <a:xfrm>
+                <a:off x="10113275" y="3921462"/>
+                <a:ext cx="1240523" cy="452388"/>
+              </a:xfrm>
+              <a:prstGeom prst="roundRect">
+                <a:avLst/>
+              </a:prstGeom>
+              <a:solidFill>
+                <a:schemeClr val="tx1">
+                  <a:lumMod val="65000"/>
+                  <a:lumOff val="35000"/>
+                </a:schemeClr>
+              </a:solidFill>
+              <a:ln>
+                <a:noFill/>
+              </a:ln>
+            </p:spPr>
+            <p:style>
+              <a:lnRef idx="0">
+                <a:scrgbClr r="0" g="0" b="0"/>
+              </a:lnRef>
+              <a:fillRef idx="0">
+                <a:scrgbClr r="0" g="0" b="0"/>
+              </a:fillRef>
+              <a:effectRef idx="0">
+                <a:scrgbClr r="0" g="0" b="0"/>
+              </a:effectRef>
+              <a:fontRef idx="minor">
+                <a:schemeClr val="lt1"/>
+              </a:fontRef>
+            </p:style>
+            <p:txBody>
+              <a:bodyPr rtlCol="0" anchor="ctr"/>
+              <a:lstStyle/>
+              <a:p>
+                <a:pPr algn="ctr"/>
+                <a:r>
+                  <a:rPr lang="en-US" altLang="ko-KR" sz="1100" dirty="0">
+                    <a:solidFill>
+                      <a:schemeClr val="bg2"/>
+                    </a:solidFill>
+                  </a:rPr>
+                  <a:t>PaperSprite</a:t>
+                </a:r>
+              </a:p>
+              <a:p>
+                <a:pPr algn="ctr"/>
+                <a:r>
+                  <a:rPr lang="en-US" altLang="ko-KR" sz="1100" dirty="0">
+                    <a:solidFill>
+                      <a:schemeClr val="bg2"/>
+                    </a:solidFill>
+                  </a:rPr>
+                  <a:t>Component</a:t>
+                </a:r>
+                <a:endParaRPr lang="ko-KR" altLang="en-US" sz="1100" dirty="0">
+                  <a:solidFill>
+                    <a:schemeClr val="bg2"/>
+                  </a:solidFill>
+                </a:endParaRPr>
+              </a:p>
+            </p:txBody>
+          </p:sp>
+          <p:sp>
+            <p:nvSpPr>
+              <p:cNvPr id="11" name="사각형: 둥근 모서리 10">
+                <a:extLst>
+                  <a:ext uri="{FF2B5EF4-FFF2-40B4-BE49-F238E27FC236}">
+                    <a16:creationId xmlns:a16="http://schemas.microsoft.com/office/drawing/2014/main" id="{48CDBD1A-F249-5353-86F8-A28F1B4D3119}"/>
+                  </a:ext>
+                </a:extLst>
+              </p:cNvPr>
+              <p:cNvSpPr/>
+              <p:nvPr/>
+            </p:nvSpPr>
+            <p:spPr>
+              <a:xfrm>
+                <a:off x="10208959" y="2564298"/>
+                <a:ext cx="1049154" cy="452388"/>
+              </a:xfrm>
+              <a:prstGeom prst="roundRect">
+                <a:avLst/>
+              </a:prstGeom>
+              <a:solidFill>
+                <a:schemeClr val="tx1">
+                  <a:lumMod val="65000"/>
+                  <a:lumOff val="35000"/>
+                </a:schemeClr>
+              </a:solidFill>
+              <a:ln>
+                <a:noFill/>
+              </a:ln>
+            </p:spPr>
+            <p:style>
+              <a:lnRef idx="0">
+                <a:scrgbClr r="0" g="0" b="0"/>
+              </a:lnRef>
+              <a:fillRef idx="0">
+                <a:scrgbClr r="0" g="0" b="0"/>
+              </a:fillRef>
+              <a:effectRef idx="0">
+                <a:scrgbClr r="0" g="0" b="0"/>
+              </a:effectRef>
+              <a:fontRef idx="minor">
+                <a:schemeClr val="lt1"/>
+              </a:fontRef>
+            </p:style>
+            <p:txBody>
+              <a:bodyPr rtlCol="0" anchor="ctr"/>
+              <a:lstStyle/>
+              <a:p>
+                <a:pPr algn="ctr"/>
+                <a:r>
+                  <a:rPr lang="en-US" altLang="ko-KR" sz="1100" dirty="0">
+                    <a:solidFill>
+                      <a:schemeClr val="bg2"/>
+                    </a:solidFill>
+                  </a:rPr>
+                  <a:t>Scene</a:t>
+                </a:r>
+              </a:p>
+              <a:p>
+                <a:pPr algn="ctr"/>
+                <a:r>
+                  <a:rPr lang="en-US" altLang="ko-KR" sz="1100" dirty="0">
+                    <a:solidFill>
+                      <a:schemeClr val="bg2"/>
+                    </a:solidFill>
+                  </a:rPr>
+                  <a:t>Component</a:t>
+                </a:r>
+                <a:endParaRPr lang="ko-KR" altLang="en-US" sz="1100" dirty="0">
+                  <a:solidFill>
+                    <a:schemeClr val="bg2"/>
+                  </a:solidFill>
+                </a:endParaRPr>
+              </a:p>
+            </p:txBody>
+          </p:sp>
+          <p:cxnSp>
+            <p:nvCxnSpPr>
+              <p:cNvPr id="13" name="직선 화살표 연결선 12">
+                <a:extLst>
+                  <a:ext uri="{FF2B5EF4-FFF2-40B4-BE49-F238E27FC236}">
+                    <a16:creationId xmlns:a16="http://schemas.microsoft.com/office/drawing/2014/main" id="{9C57EF36-EE66-CA77-8757-6FE4658F0836}"/>
+                  </a:ext>
+                </a:extLst>
+              </p:cNvPr>
+              <p:cNvCxnSpPr>
+                <a:cxnSpLocks/>
+                <a:stCxn id="10" idx="0"/>
+                <a:endCxn id="32" idx="2"/>
+              </p:cNvCxnSpPr>
+              <p:nvPr/>
+            </p:nvCxnSpPr>
+            <p:spPr>
+              <a:xfrm flipH="1" flipV="1">
+                <a:off x="10733536" y="3713822"/>
+                <a:ext cx="1" cy="207640"/>
+              </a:xfrm>
+              <a:prstGeom prst="straightConnector1">
+                <a:avLst/>
+              </a:prstGeom>
+              <a:ln w="41275">
+                <a:solidFill>
+                  <a:schemeClr val="tx1"/>
+                </a:solidFill>
+                <a:tailEnd type="triangle"/>
+              </a:ln>
+            </p:spPr>
+            <p:style>
+              <a:lnRef idx="1">
+                <a:schemeClr val="accent1"/>
+              </a:lnRef>
+              <a:fillRef idx="0">
+                <a:schemeClr val="accent1"/>
+              </a:fillRef>
+              <a:effectRef idx="0">
+                <a:schemeClr val="accent1"/>
+              </a:effectRef>
+              <a:fontRef idx="minor">
+                <a:schemeClr val="tx1"/>
+              </a:fontRef>
+            </p:style>
+          </p:cxnSp>
+          <p:sp>
+            <p:nvSpPr>
+              <p:cNvPr id="21" name="사각형: 둥근 모서리 20">
+                <a:extLst>
+                  <a:ext uri="{FF2B5EF4-FFF2-40B4-BE49-F238E27FC236}">
+                    <a16:creationId xmlns:a16="http://schemas.microsoft.com/office/drawing/2014/main" id="{6492456D-393C-BC97-4C60-49B310755BEF}"/>
+                  </a:ext>
+                </a:extLst>
+              </p:cNvPr>
+              <p:cNvSpPr/>
+              <p:nvPr/>
+            </p:nvSpPr>
+            <p:spPr>
+              <a:xfrm>
+                <a:off x="10113275" y="4711149"/>
+                <a:ext cx="1240524" cy="452388"/>
+              </a:xfrm>
+              <a:prstGeom prst="roundRect">
+                <a:avLst/>
+              </a:prstGeom>
+              <a:solidFill>
+                <a:schemeClr val="tx1">
+                  <a:lumMod val="65000"/>
+                  <a:lumOff val="35000"/>
+                </a:schemeClr>
+              </a:solidFill>
+              <a:ln>
+                <a:noFill/>
+              </a:ln>
+            </p:spPr>
+            <p:style>
+              <a:lnRef idx="0">
+                <a:scrgbClr r="0" g="0" b="0"/>
+              </a:lnRef>
+              <a:fillRef idx="0">
+                <a:scrgbClr r="0" g="0" b="0"/>
+              </a:fillRef>
+              <a:effectRef idx="0">
+                <a:scrgbClr r="0" g="0" b="0"/>
+              </a:effectRef>
+              <a:fontRef idx="minor">
+                <a:schemeClr val="lt1"/>
+              </a:fontRef>
+            </p:style>
+            <p:txBody>
+              <a:bodyPr rtlCol="0" anchor="ctr"/>
+              <a:lstStyle/>
+              <a:p>
+                <a:pPr algn="ctr"/>
+                <a:r>
+                  <a:rPr lang="en-US" altLang="ko-KR" sz="1100" dirty="0">
+                    <a:solidFill>
+                      <a:schemeClr val="bg2"/>
+                    </a:solidFill>
+                  </a:rPr>
+                  <a:t>PaperFlipbook</a:t>
+                </a:r>
+              </a:p>
+              <a:p>
+                <a:pPr algn="ctr"/>
+                <a:r>
+                  <a:rPr lang="en-US" altLang="ko-KR" sz="1100" dirty="0">
+                    <a:solidFill>
+                      <a:schemeClr val="bg2"/>
+                    </a:solidFill>
+                  </a:rPr>
+                  <a:t>Component</a:t>
+                </a:r>
+              </a:p>
+            </p:txBody>
+          </p:sp>
+          <p:cxnSp>
+            <p:nvCxnSpPr>
+              <p:cNvPr id="25" name="직선 화살표 연결선 24">
+                <a:extLst>
+                  <a:ext uri="{FF2B5EF4-FFF2-40B4-BE49-F238E27FC236}">
+                    <a16:creationId xmlns:a16="http://schemas.microsoft.com/office/drawing/2014/main" id="{414AC520-1C34-FDF0-A51B-5836670950BF}"/>
+                  </a:ext>
+                </a:extLst>
+              </p:cNvPr>
+              <p:cNvCxnSpPr>
+                <a:cxnSpLocks/>
+                <a:stCxn id="21" idx="0"/>
+                <a:endCxn id="10" idx="2"/>
+              </p:cNvCxnSpPr>
+              <p:nvPr/>
+            </p:nvCxnSpPr>
+            <p:spPr>
+              <a:xfrm flipV="1">
+                <a:off x="10733537" y="4373850"/>
+                <a:ext cx="0" cy="337299"/>
+              </a:xfrm>
+              <a:prstGeom prst="straightConnector1">
+                <a:avLst/>
+              </a:prstGeom>
+              <a:ln w="41275">
+                <a:solidFill>
+                  <a:schemeClr val="tx1"/>
+                </a:solidFill>
+                <a:tailEnd type="triangle"/>
+              </a:ln>
+            </p:spPr>
+            <p:style>
+              <a:lnRef idx="1">
+                <a:schemeClr val="accent1"/>
+              </a:lnRef>
+              <a:fillRef idx="0">
+                <a:schemeClr val="accent1"/>
+              </a:fillRef>
+              <a:effectRef idx="0">
+                <a:schemeClr val="accent1"/>
+              </a:effectRef>
+              <a:fontRef idx="minor">
+                <a:schemeClr val="tx1"/>
+              </a:fontRef>
+            </p:style>
+          </p:cxnSp>
+          <p:sp>
+            <p:nvSpPr>
+              <p:cNvPr id="32" name="사각형: 둥근 모서리 31">
+                <a:extLst>
+                  <a:ext uri="{FF2B5EF4-FFF2-40B4-BE49-F238E27FC236}">
+                    <a16:creationId xmlns:a16="http://schemas.microsoft.com/office/drawing/2014/main" id="{DAFA8D82-C77D-4BBD-CA34-E0E7B7CA5086}"/>
+                  </a:ext>
+                </a:extLst>
+              </p:cNvPr>
+              <p:cNvSpPr/>
+              <p:nvPr/>
+            </p:nvSpPr>
+            <p:spPr>
+              <a:xfrm>
+                <a:off x="10208959" y="3261434"/>
+                <a:ext cx="1049154" cy="452388"/>
+              </a:xfrm>
+              <a:prstGeom prst="roundRect">
+                <a:avLst/>
+              </a:prstGeom>
+              <a:solidFill>
+                <a:schemeClr val="tx1">
+                  <a:lumMod val="65000"/>
+                  <a:lumOff val="35000"/>
+                </a:schemeClr>
+              </a:solidFill>
+              <a:ln>
+                <a:noFill/>
+              </a:ln>
+            </p:spPr>
+            <p:style>
+              <a:lnRef idx="0">
+                <a:scrgbClr r="0" g="0" b="0"/>
+              </a:lnRef>
+              <a:fillRef idx="0">
+                <a:scrgbClr r="0" g="0" b="0"/>
+              </a:fillRef>
+              <a:effectRef idx="0">
+                <a:scrgbClr r="0" g="0" b="0"/>
+              </a:effectRef>
+              <a:fontRef idx="minor">
+                <a:schemeClr val="lt1"/>
+              </a:fontRef>
+            </p:style>
+            <p:txBody>
+              <a:bodyPr rtlCol="0" anchor="ctr"/>
+              <a:lstStyle/>
+              <a:p>
+                <a:pPr algn="ctr"/>
+                <a:r>
+                  <a:rPr lang="en-US" altLang="ko-KR" sz="1100" dirty="0">
+                    <a:solidFill>
+                      <a:schemeClr val="bg2"/>
+                    </a:solidFill>
+                  </a:rPr>
+                  <a:t>Primitive</a:t>
+                </a:r>
+              </a:p>
+              <a:p>
+                <a:pPr algn="ctr"/>
+                <a:r>
+                  <a:rPr lang="en-US" altLang="ko-KR" sz="1100" dirty="0">
+                    <a:solidFill>
+                      <a:schemeClr val="bg2"/>
+                    </a:solidFill>
+                  </a:rPr>
+                  <a:t>Component</a:t>
+                </a:r>
+                <a:endParaRPr lang="ko-KR" altLang="en-US" sz="1100" dirty="0">
+                  <a:solidFill>
+                    <a:schemeClr val="bg2"/>
+                  </a:solidFill>
+                </a:endParaRPr>
+              </a:p>
+            </p:txBody>
+          </p:sp>
+          <p:cxnSp>
+            <p:nvCxnSpPr>
+              <p:cNvPr id="35" name="직선 화살표 연결선 34">
+                <a:extLst>
+                  <a:ext uri="{FF2B5EF4-FFF2-40B4-BE49-F238E27FC236}">
+                    <a16:creationId xmlns:a16="http://schemas.microsoft.com/office/drawing/2014/main" id="{767EF2EE-DC38-0E8C-C323-1812D02C0101}"/>
+                  </a:ext>
+                </a:extLst>
+              </p:cNvPr>
+              <p:cNvCxnSpPr>
+                <a:cxnSpLocks/>
+                <a:stCxn id="32" idx="0"/>
+                <a:endCxn id="11" idx="2"/>
+              </p:cNvCxnSpPr>
+              <p:nvPr/>
+            </p:nvCxnSpPr>
+            <p:spPr>
+              <a:xfrm flipV="1">
+                <a:off x="10733536" y="3016686"/>
+                <a:ext cx="0" cy="244748"/>
+              </a:xfrm>
+              <a:prstGeom prst="straightConnector1">
+                <a:avLst/>
+              </a:prstGeom>
+              <a:ln w="41275">
+                <a:solidFill>
+                  <a:schemeClr val="tx1"/>
+                </a:solidFill>
+                <a:tailEnd type="triangle"/>
+              </a:ln>
+            </p:spPr>
+            <p:style>
+              <a:lnRef idx="1">
+                <a:schemeClr val="accent1"/>
+              </a:lnRef>
+              <a:fillRef idx="0">
+                <a:schemeClr val="accent1"/>
+              </a:fillRef>
+              <a:effectRef idx="0">
+                <a:schemeClr val="accent1"/>
+              </a:effectRef>
+              <a:fontRef idx="minor">
+                <a:schemeClr val="tx1"/>
+              </a:fontRef>
+            </p:style>
+          </p:cxnSp>
+        </p:grpSp>
+        <p:sp>
+          <p:nvSpPr>
+            <p:cNvPr id="8" name="TextBox 7">
+              <a:extLst>
+                <a:ext uri="{FF2B5EF4-FFF2-40B4-BE49-F238E27FC236}">
+                  <a16:creationId xmlns:a16="http://schemas.microsoft.com/office/drawing/2014/main" id="{77CAB013-641D-E0BB-51F2-B9B116CB93BB}"/>
+                </a:ext>
+              </a:extLst>
+            </p:cNvPr>
+            <p:cNvSpPr txBox="1"/>
             <p:nvPr/>
           </p:nvSpPr>
           <p:spPr>
             <a:xfrm>
-              <a:off x="10208959" y="2564298"/>
-              <a:ext cx="1049154" cy="452388"/>
+              <a:off x="6374323" y="3490134"/>
+              <a:ext cx="1313953" cy="230832"/>
             </a:xfrm>
-            <a:prstGeom prst="roundRect">
+            <a:prstGeom prst="rect">
               <a:avLst/>
             </a:prstGeom>
-            <a:solidFill>
-              <a:schemeClr val="tx1">
-                <a:lumMod val="65000"/>
-                <a:lumOff val="35000"/>
-              </a:schemeClr>
-            </a:solidFill>
-            <a:ln>
-              <a:noFill/>
-            </a:ln>
+            <a:noFill/>
           </p:spPr>
-          <p:style>
-            <a:lnRef idx="0">
-              <a:scrgbClr r="0" g="0" b="0"/>
-            </a:lnRef>
-            <a:fillRef idx="0">
-              <a:scrgbClr r="0" g="0" b="0"/>
-            </a:fillRef>
-            <a:effectRef idx="0">
-              <a:scrgbClr r="0" g="0" b="0"/>
-            </a:effectRef>
-            <a:fontRef idx="minor">
-              <a:schemeClr val="lt1"/>
-            </a:fontRef>
-          </p:style>
           <p:txBody>
-            <a:bodyPr rtlCol="0" anchor="ctr"/>
+            <a:bodyPr wrap="square">
+              <a:spAutoFit/>
+            </a:bodyPr>
             <a:lstStyle/>
             <a:p>
               <a:pPr algn="ctr"/>
               <a:r>
-                <a:rPr lang="en-US" altLang="ko-KR" sz="1100" dirty="0">
+                <a:rPr lang="en-US" altLang="ko-KR" sz="900" b="1" dirty="0">
                   <a:solidFill>
-                    <a:schemeClr val="bg2"/>
+                    <a:schemeClr val="bg1">
+                      <a:lumMod val="85000"/>
+                    </a:schemeClr>
                   </a:solidFill>
                 </a:rPr>
-                <a:t>Scene</a:t>
+                <a:t>m_pRootComponent</a:t>
               </a:r>
-            </a:p>
-            <a:p>
-              <a:pPr algn="ctr"/>
-              <a:r>
-                <a:rPr lang="en-US" altLang="ko-KR" sz="1100" dirty="0">
-                  <a:solidFill>
-                    <a:schemeClr val="bg2"/>
-                  </a:solidFill>
-                </a:rPr>
-                <a:t>Component</a:t>
-              </a:r>
-              <a:endParaRPr lang="ko-KR" altLang="en-US" sz="1100" dirty="0">
+              <a:endParaRPr lang="ko-KR" altLang="en-US" sz="900" b="1" dirty="0">
                 <a:solidFill>
-                  <a:schemeClr val="bg2"/>
+                  <a:schemeClr val="bg1"/>
                 </a:solidFill>
               </a:endParaRPr>
             </a:p>
@@ -17076,271 +17429,27 @@
         </p:sp>
         <p:cxnSp>
           <p:nvCxnSpPr>
-            <p:cNvPr id="13" name="직선 화살표 연결선 12">
+            <p:cNvPr id="12" name="직선 화살표 연결선 11">
               <a:extLst>
                 <a:ext uri="{FF2B5EF4-FFF2-40B4-BE49-F238E27FC236}">
-                  <a16:creationId xmlns:a16="http://schemas.microsoft.com/office/drawing/2014/main" id="{9C57EF36-EE66-CA77-8757-6FE4658F0836}"/>
+                  <a16:creationId xmlns:a16="http://schemas.microsoft.com/office/drawing/2014/main" id="{04E6BD72-63AA-90B2-DD83-479A7AFCF961}"/>
                 </a:ext>
               </a:extLst>
             </p:cNvPr>
             <p:cNvCxnSpPr>
               <a:cxnSpLocks/>
-              <a:stCxn id="10" idx="0"/>
-              <a:endCxn id="32" idx="2"/>
             </p:cNvCxnSpPr>
             <p:nvPr/>
           </p:nvCxnSpPr>
           <p:spPr>
-            <a:xfrm flipH="1" flipV="1">
-              <a:off x="10733536" y="3713822"/>
-              <a:ext cx="1" cy="207640"/>
+            <a:xfrm>
+              <a:off x="7234733" y="3713822"/>
+              <a:ext cx="102310" cy="145729"/>
             </a:xfrm>
             <a:prstGeom prst="straightConnector1">
               <a:avLst/>
             </a:prstGeom>
-            <a:ln w="41275">
-              <a:solidFill>
-                <a:schemeClr val="tx1"/>
-              </a:solidFill>
-              <a:tailEnd type="triangle"/>
-            </a:ln>
-          </p:spPr>
-          <p:style>
-            <a:lnRef idx="1">
-              <a:schemeClr val="accent1"/>
-            </a:lnRef>
-            <a:fillRef idx="0">
-              <a:schemeClr val="accent1"/>
-            </a:fillRef>
-            <a:effectRef idx="0">
-              <a:schemeClr val="accent1"/>
-            </a:effectRef>
-            <a:fontRef idx="minor">
-              <a:schemeClr val="tx1"/>
-            </a:fontRef>
-          </p:style>
-        </p:cxnSp>
-        <p:sp>
-          <p:nvSpPr>
-            <p:cNvPr id="21" name="사각형: 둥근 모서리 20">
-              <a:extLst>
-                <a:ext uri="{FF2B5EF4-FFF2-40B4-BE49-F238E27FC236}">
-                  <a16:creationId xmlns:a16="http://schemas.microsoft.com/office/drawing/2014/main" id="{6492456D-393C-BC97-4C60-49B310755BEF}"/>
-                </a:ext>
-              </a:extLst>
-            </p:cNvPr>
-            <p:cNvSpPr/>
-            <p:nvPr/>
-          </p:nvSpPr>
-          <p:spPr>
-            <a:xfrm>
-              <a:off x="10113275" y="4711149"/>
-              <a:ext cx="1240524" cy="452388"/>
-            </a:xfrm>
-            <a:prstGeom prst="roundRect">
-              <a:avLst/>
-            </a:prstGeom>
-            <a:solidFill>
-              <a:schemeClr val="tx1">
-                <a:lumMod val="65000"/>
-                <a:lumOff val="35000"/>
-              </a:schemeClr>
-            </a:solidFill>
             <a:ln>
-              <a:noFill/>
-            </a:ln>
-          </p:spPr>
-          <p:style>
-            <a:lnRef idx="0">
-              <a:scrgbClr r="0" g="0" b="0"/>
-            </a:lnRef>
-            <a:fillRef idx="0">
-              <a:scrgbClr r="0" g="0" b="0"/>
-            </a:fillRef>
-            <a:effectRef idx="0">
-              <a:scrgbClr r="0" g="0" b="0"/>
-            </a:effectRef>
-            <a:fontRef idx="minor">
-              <a:schemeClr val="lt1"/>
-            </a:fontRef>
-          </p:style>
-          <p:txBody>
-            <a:bodyPr rtlCol="0" anchor="ctr"/>
-            <a:lstStyle/>
-            <a:p>
-              <a:pPr algn="ctr"/>
-              <a:r>
-                <a:rPr lang="en-US" altLang="ko-KR" sz="1100" dirty="0">
-                  <a:solidFill>
-                    <a:schemeClr val="bg2"/>
-                  </a:solidFill>
-                </a:rPr>
-                <a:t>PaperFlipbook</a:t>
-              </a:r>
-            </a:p>
-            <a:p>
-              <a:pPr algn="ctr"/>
-              <a:r>
-                <a:rPr lang="en-US" altLang="ko-KR" sz="1100" dirty="0">
-                  <a:solidFill>
-                    <a:schemeClr val="bg2"/>
-                  </a:solidFill>
-                </a:rPr>
-                <a:t>Component</a:t>
-              </a:r>
-            </a:p>
-          </p:txBody>
-        </p:sp>
-        <p:cxnSp>
-          <p:nvCxnSpPr>
-            <p:cNvPr id="25" name="직선 화살표 연결선 24">
-              <a:extLst>
-                <a:ext uri="{FF2B5EF4-FFF2-40B4-BE49-F238E27FC236}">
-                  <a16:creationId xmlns:a16="http://schemas.microsoft.com/office/drawing/2014/main" id="{414AC520-1C34-FDF0-A51B-5836670950BF}"/>
-                </a:ext>
-              </a:extLst>
-            </p:cNvPr>
-            <p:cNvCxnSpPr>
-              <a:cxnSpLocks/>
-              <a:stCxn id="21" idx="0"/>
-              <a:endCxn id="10" idx="2"/>
-            </p:cNvCxnSpPr>
-            <p:nvPr/>
-          </p:nvCxnSpPr>
-          <p:spPr>
-            <a:xfrm flipV="1">
-              <a:off x="10733537" y="4373850"/>
-              <a:ext cx="0" cy="337299"/>
-            </a:xfrm>
-            <a:prstGeom prst="straightConnector1">
-              <a:avLst/>
-            </a:prstGeom>
-            <a:ln w="41275">
-              <a:solidFill>
-                <a:schemeClr val="tx1"/>
-              </a:solidFill>
-              <a:tailEnd type="triangle"/>
-            </a:ln>
-          </p:spPr>
-          <p:style>
-            <a:lnRef idx="1">
-              <a:schemeClr val="accent1"/>
-            </a:lnRef>
-            <a:fillRef idx="0">
-              <a:schemeClr val="accent1"/>
-            </a:fillRef>
-            <a:effectRef idx="0">
-              <a:schemeClr val="accent1"/>
-            </a:effectRef>
-            <a:fontRef idx="minor">
-              <a:schemeClr val="tx1"/>
-            </a:fontRef>
-          </p:style>
-        </p:cxnSp>
-        <p:sp>
-          <p:nvSpPr>
-            <p:cNvPr id="32" name="사각형: 둥근 모서리 31">
-              <a:extLst>
-                <a:ext uri="{FF2B5EF4-FFF2-40B4-BE49-F238E27FC236}">
-                  <a16:creationId xmlns:a16="http://schemas.microsoft.com/office/drawing/2014/main" id="{DAFA8D82-C77D-4BBD-CA34-E0E7B7CA5086}"/>
-                </a:ext>
-              </a:extLst>
-            </p:cNvPr>
-            <p:cNvSpPr/>
-            <p:nvPr/>
-          </p:nvSpPr>
-          <p:spPr>
-            <a:xfrm>
-              <a:off x="10208959" y="3261434"/>
-              <a:ext cx="1049154" cy="452388"/>
-            </a:xfrm>
-            <a:prstGeom prst="roundRect">
-              <a:avLst/>
-            </a:prstGeom>
-            <a:solidFill>
-              <a:schemeClr val="tx1">
-                <a:lumMod val="65000"/>
-                <a:lumOff val="35000"/>
-              </a:schemeClr>
-            </a:solidFill>
-            <a:ln>
-              <a:noFill/>
-            </a:ln>
-          </p:spPr>
-          <p:style>
-            <a:lnRef idx="0">
-              <a:scrgbClr r="0" g="0" b="0"/>
-            </a:lnRef>
-            <a:fillRef idx="0">
-              <a:scrgbClr r="0" g="0" b="0"/>
-            </a:fillRef>
-            <a:effectRef idx="0">
-              <a:scrgbClr r="0" g="0" b="0"/>
-            </a:effectRef>
-            <a:fontRef idx="minor">
-              <a:schemeClr val="lt1"/>
-            </a:fontRef>
-          </p:style>
-          <p:txBody>
-            <a:bodyPr rtlCol="0" anchor="ctr"/>
-            <a:lstStyle/>
-            <a:p>
-              <a:pPr algn="ctr"/>
-              <a:r>
-                <a:rPr lang="en-US" altLang="ko-KR" sz="1100" dirty="0">
-                  <a:solidFill>
-                    <a:schemeClr val="bg2"/>
-                  </a:solidFill>
-                </a:rPr>
-                <a:t>Primitive</a:t>
-              </a:r>
-            </a:p>
-            <a:p>
-              <a:pPr algn="ctr"/>
-              <a:r>
-                <a:rPr lang="en-US" altLang="ko-KR" sz="1100" dirty="0">
-                  <a:solidFill>
-                    <a:schemeClr val="bg2"/>
-                  </a:solidFill>
-                </a:rPr>
-                <a:t>Component</a:t>
-              </a:r>
-              <a:endParaRPr lang="ko-KR" altLang="en-US" sz="1100" dirty="0">
-                <a:solidFill>
-                  <a:schemeClr val="bg2"/>
-                </a:solidFill>
-              </a:endParaRPr>
-            </a:p>
-          </p:txBody>
-        </p:sp>
-        <p:cxnSp>
-          <p:nvCxnSpPr>
-            <p:cNvPr id="35" name="직선 화살표 연결선 34">
-              <a:extLst>
-                <a:ext uri="{FF2B5EF4-FFF2-40B4-BE49-F238E27FC236}">
-                  <a16:creationId xmlns:a16="http://schemas.microsoft.com/office/drawing/2014/main" id="{767EF2EE-DC38-0E8C-C323-1812D02C0101}"/>
-                </a:ext>
-              </a:extLst>
-            </p:cNvPr>
-            <p:cNvCxnSpPr>
-              <a:cxnSpLocks/>
-              <a:stCxn id="32" idx="0"/>
-              <a:endCxn id="11" idx="2"/>
-            </p:cNvCxnSpPr>
-            <p:nvPr/>
-          </p:nvCxnSpPr>
-          <p:spPr>
-            <a:xfrm flipV="1">
-              <a:off x="10733536" y="3016686"/>
-              <a:ext cx="0" cy="244748"/>
-            </a:xfrm>
-            <a:prstGeom prst="straightConnector1">
-              <a:avLst/>
-            </a:prstGeom>
-            <a:ln w="41275">
-              <a:solidFill>
-                <a:schemeClr val="tx1"/>
-              </a:solidFill>
               <a:tailEnd type="triangle"/>
             </a:ln>
           </p:spPr>
@@ -17360,94 +17469,6 @@
           </p:style>
         </p:cxnSp>
       </p:grpSp>
-      <p:sp>
-        <p:nvSpPr>
-          <p:cNvPr id="8" name="TextBox 7">
-            <a:extLst>
-              <a:ext uri="{FF2B5EF4-FFF2-40B4-BE49-F238E27FC236}">
-                <a16:creationId xmlns:a16="http://schemas.microsoft.com/office/drawing/2014/main" id="{77CAB013-641D-E0BB-51F2-B9B116CB93BB}"/>
-              </a:ext>
-            </a:extLst>
-          </p:cNvPr>
-          <p:cNvSpPr txBox="1"/>
-          <p:nvPr/>
-        </p:nvSpPr>
-        <p:spPr>
-          <a:xfrm>
-            <a:off x="6374323" y="3490134"/>
-            <a:ext cx="1313953" cy="230832"/>
-          </a:xfrm>
-          <a:prstGeom prst="rect">
-            <a:avLst/>
-          </a:prstGeom>
-          <a:noFill/>
-        </p:spPr>
-        <p:txBody>
-          <a:bodyPr wrap="square">
-            <a:spAutoFit/>
-          </a:bodyPr>
-          <a:lstStyle/>
-          <a:p>
-            <a:pPr algn="ctr"/>
-            <a:r>
-              <a:rPr lang="en-US" altLang="ko-KR" sz="900" b="1" dirty="0">
-                <a:solidFill>
-                  <a:schemeClr val="bg1">
-                    <a:lumMod val="85000"/>
-                  </a:schemeClr>
-                </a:solidFill>
-              </a:rPr>
-              <a:t>m_pRootComponent</a:t>
-            </a:r>
-            <a:endParaRPr lang="ko-KR" altLang="en-US" sz="900" b="1" dirty="0">
-              <a:solidFill>
-                <a:schemeClr val="bg1"/>
-              </a:solidFill>
-            </a:endParaRPr>
-          </a:p>
-        </p:txBody>
-      </p:sp>
-      <p:cxnSp>
-        <p:nvCxnSpPr>
-          <p:cNvPr id="12" name="직선 화살표 연결선 11">
-            <a:extLst>
-              <a:ext uri="{FF2B5EF4-FFF2-40B4-BE49-F238E27FC236}">
-                <a16:creationId xmlns:a16="http://schemas.microsoft.com/office/drawing/2014/main" id="{04E6BD72-63AA-90B2-DD83-479A7AFCF961}"/>
-              </a:ext>
-            </a:extLst>
-          </p:cNvPr>
-          <p:cNvCxnSpPr>
-            <a:cxnSpLocks/>
-          </p:cNvCxnSpPr>
-          <p:nvPr/>
-        </p:nvCxnSpPr>
-        <p:spPr>
-          <a:xfrm>
-            <a:off x="7234733" y="3713822"/>
-            <a:ext cx="102310" cy="145729"/>
-          </a:xfrm>
-          <a:prstGeom prst="straightConnector1">
-            <a:avLst/>
-          </a:prstGeom>
-          <a:ln>
-            <a:tailEnd type="triangle"/>
-          </a:ln>
-        </p:spPr>
-        <p:style>
-          <a:lnRef idx="1">
-            <a:schemeClr val="accent1"/>
-          </a:lnRef>
-          <a:fillRef idx="0">
-            <a:schemeClr val="accent1"/>
-          </a:fillRef>
-          <a:effectRef idx="0">
-            <a:schemeClr val="accent1"/>
-          </a:effectRef>
-          <a:fontRef idx="minor">
-            <a:schemeClr val="tx1"/>
-          </a:fontRef>
-        </p:style>
-      </p:cxnSp>
     </p:spTree>
     <p:extLst>
       <p:ext uri="{BB962C8B-B14F-4D97-AF65-F5344CB8AC3E}">
